--- a/docs/Uber Eats.pptx
+++ b/docs/Uber Eats.pptx
@@ -9,13 +9,14 @@
     <p:sldId id="257" r:id="rId3"/>
     <p:sldId id="258" r:id="rId4"/>
     <p:sldId id="259" r:id="rId5"/>
-    <p:sldId id="260" r:id="rId6"/>
-    <p:sldId id="261" r:id="rId7"/>
+    <p:sldId id="261" r:id="rId6"/>
+    <p:sldId id="260" r:id="rId7"/>
     <p:sldId id="262" r:id="rId8"/>
     <p:sldId id="263" r:id="rId9"/>
-    <p:sldId id="265" r:id="rId10"/>
-    <p:sldId id="264" r:id="rId11"/>
-    <p:sldId id="266" r:id="rId12"/>
+    <p:sldId id="267" r:id="rId10"/>
+    <p:sldId id="265" r:id="rId11"/>
+    <p:sldId id="264" r:id="rId12"/>
+    <p:sldId id="266" r:id="rId13"/>
   </p:sldIdLst>
   <p:sldSz cx="12192000" cy="6858000"/>
   <p:notesSz cx="6858000" cy="9144000"/>
@@ -315,7 +316,7 @@
           <a:p>
             <a:fld id="{858D686B-D4D6-461E-B319-AAD4B95859DF}" type="datetimeFigureOut">
               <a:rPr lang="pt-PT" smtClean="0"/>
-              <a:t>15/05/2022</a:t>
+              <a:t>16/05/2022</a:t>
             </a:fld>
             <a:endParaRPr lang="pt-PT" dirty="0"/>
           </a:p>
@@ -357,7 +358,7 @@
           <a:p>
             <a:fld id="{CECF0AB5-50A3-476D-8DCD-80FF577EBBB5}" type="slidenum">
               <a:rPr lang="pt-PT" smtClean="0"/>
-              <a:t>‹nº›</a:t>
+              <a:t>‹#›</a:t>
             </a:fld>
             <a:endParaRPr lang="pt-PT" dirty="0"/>
           </a:p>
@@ -613,7 +614,7 @@
           <a:p>
             <a:fld id="{858D686B-D4D6-461E-B319-AAD4B95859DF}" type="datetimeFigureOut">
               <a:rPr lang="pt-PT" smtClean="0"/>
-              <a:t>15/05/2022</a:t>
+              <a:t>16/05/2022</a:t>
             </a:fld>
             <a:endParaRPr lang="pt-PT" dirty="0"/>
           </a:p>
@@ -655,7 +656,7 @@
           <a:p>
             <a:fld id="{CECF0AB5-50A3-476D-8DCD-80FF577EBBB5}" type="slidenum">
               <a:rPr lang="pt-PT" smtClean="0"/>
-              <a:t>‹nº›</a:t>
+              <a:t>‹#›</a:t>
             </a:fld>
             <a:endParaRPr lang="pt-PT" dirty="0"/>
           </a:p>
@@ -805,7 +806,7 @@
           <a:p>
             <a:fld id="{858D686B-D4D6-461E-B319-AAD4B95859DF}" type="datetimeFigureOut">
               <a:rPr lang="pt-PT" smtClean="0"/>
-              <a:t>15/05/2022</a:t>
+              <a:t>16/05/2022</a:t>
             </a:fld>
             <a:endParaRPr lang="pt-PT" dirty="0"/>
           </a:p>
@@ -847,7 +848,7 @@
           <a:p>
             <a:fld id="{CECF0AB5-50A3-476D-8DCD-80FF577EBBB5}" type="slidenum">
               <a:rPr lang="pt-PT" smtClean="0"/>
-              <a:t>‹nº›</a:t>
+              <a:t>‹#›</a:t>
             </a:fld>
             <a:endParaRPr lang="pt-PT" dirty="0"/>
           </a:p>
@@ -1066,7 +1067,7 @@
           <a:p>
             <a:fld id="{858D686B-D4D6-461E-B319-AAD4B95859DF}" type="datetimeFigureOut">
               <a:rPr lang="pt-PT" smtClean="0"/>
-              <a:t>15/05/2022</a:t>
+              <a:t>16/05/2022</a:t>
             </a:fld>
             <a:endParaRPr lang="pt-PT" dirty="0"/>
           </a:p>
@@ -1108,7 +1109,7 @@
           <a:p>
             <a:fld id="{CECF0AB5-50A3-476D-8DCD-80FF577EBBB5}" type="slidenum">
               <a:rPr lang="pt-PT" smtClean="0"/>
-              <a:t>‹nº›</a:t>
+              <a:t>‹#›</a:t>
             </a:fld>
             <a:endParaRPr lang="pt-PT" dirty="0"/>
           </a:p>
@@ -1490,7 +1491,7 @@
           <a:p>
             <a:fld id="{858D686B-D4D6-461E-B319-AAD4B95859DF}" type="datetimeFigureOut">
               <a:rPr lang="pt-PT" smtClean="0"/>
-              <a:t>15/05/2022</a:t>
+              <a:t>16/05/2022</a:t>
             </a:fld>
             <a:endParaRPr lang="pt-PT" dirty="0"/>
           </a:p>
@@ -1532,7 +1533,7 @@
           <a:p>
             <a:fld id="{CECF0AB5-50A3-476D-8DCD-80FF577EBBB5}" type="slidenum">
               <a:rPr lang="pt-PT" smtClean="0"/>
-              <a:t>‹nº›</a:t>
+              <a:t>‹#›</a:t>
             </a:fld>
             <a:endParaRPr lang="pt-PT" dirty="0"/>
           </a:p>
@@ -2027,7 +2028,7 @@
           <a:p>
             <a:fld id="{858D686B-D4D6-461E-B319-AAD4B95859DF}" type="datetimeFigureOut">
               <a:rPr lang="pt-PT" smtClean="0"/>
-              <a:t>15/05/2022</a:t>
+              <a:t>16/05/2022</a:t>
             </a:fld>
             <a:endParaRPr lang="pt-PT" dirty="0"/>
           </a:p>
@@ -2069,7 +2070,7 @@
           <a:p>
             <a:fld id="{CECF0AB5-50A3-476D-8DCD-80FF577EBBB5}" type="slidenum">
               <a:rPr lang="pt-PT" smtClean="0"/>
-              <a:t>‹nº›</a:t>
+              <a:t>‹#›</a:t>
             </a:fld>
             <a:endParaRPr lang="pt-PT" dirty="0"/>
           </a:p>
@@ -2891,7 +2892,7 @@
           <a:p>
             <a:fld id="{858D686B-D4D6-461E-B319-AAD4B95859DF}" type="datetimeFigureOut">
               <a:rPr lang="pt-PT" smtClean="0"/>
-              <a:t>15/05/2022</a:t>
+              <a:t>16/05/2022</a:t>
             </a:fld>
             <a:endParaRPr lang="pt-PT" dirty="0"/>
           </a:p>
@@ -2933,7 +2934,7 @@
           <a:p>
             <a:fld id="{CECF0AB5-50A3-476D-8DCD-80FF577EBBB5}" type="slidenum">
               <a:rPr lang="pt-PT" smtClean="0"/>
-              <a:t>‹nº›</a:t>
+              <a:t>‹#›</a:t>
             </a:fld>
             <a:endParaRPr lang="pt-PT" dirty="0"/>
           </a:p>
@@ -3061,7 +3062,7 @@
           <a:p>
             <a:fld id="{858D686B-D4D6-461E-B319-AAD4B95859DF}" type="datetimeFigureOut">
               <a:rPr lang="pt-PT" smtClean="0"/>
-              <a:t>15/05/2022</a:t>
+              <a:t>16/05/2022</a:t>
             </a:fld>
             <a:endParaRPr lang="pt-PT" dirty="0"/>
           </a:p>
@@ -3103,7 +3104,7 @@
           <a:p>
             <a:fld id="{CECF0AB5-50A3-476D-8DCD-80FF577EBBB5}" type="slidenum">
               <a:rPr lang="pt-PT" smtClean="0"/>
-              <a:t>‹nº›</a:t>
+              <a:t>‹#›</a:t>
             </a:fld>
             <a:endParaRPr lang="pt-PT" dirty="0"/>
           </a:p>
@@ -3245,7 +3246,7 @@
           <a:p>
             <a:fld id="{858D686B-D4D6-461E-B319-AAD4B95859DF}" type="datetimeFigureOut">
               <a:rPr lang="pt-PT" smtClean="0"/>
-              <a:t>15/05/2022</a:t>
+              <a:t>16/05/2022</a:t>
             </a:fld>
             <a:endParaRPr lang="pt-PT" dirty="0"/>
           </a:p>
@@ -3287,7 +3288,7 @@
           <a:p>
             <a:fld id="{CECF0AB5-50A3-476D-8DCD-80FF577EBBB5}" type="slidenum">
               <a:rPr lang="pt-PT" smtClean="0"/>
-              <a:t>‹nº›</a:t>
+              <a:t>‹#›</a:t>
             </a:fld>
             <a:endParaRPr lang="pt-PT" dirty="0"/>
           </a:p>
@@ -3415,7 +3416,7 @@
           <a:p>
             <a:fld id="{858D686B-D4D6-461E-B319-AAD4B95859DF}" type="datetimeFigureOut">
               <a:rPr lang="pt-PT" smtClean="0"/>
-              <a:t>15/05/2022</a:t>
+              <a:t>16/05/2022</a:t>
             </a:fld>
             <a:endParaRPr lang="pt-PT" dirty="0"/>
           </a:p>
@@ -3457,7 +3458,7 @@
           <a:p>
             <a:fld id="{CECF0AB5-50A3-476D-8DCD-80FF577EBBB5}" type="slidenum">
               <a:rPr lang="pt-PT" smtClean="0"/>
-              <a:t>‹nº›</a:t>
+              <a:t>‹#›</a:t>
             </a:fld>
             <a:endParaRPr lang="pt-PT" dirty="0"/>
           </a:p>
@@ -3659,7 +3660,7 @@
           <a:p>
             <a:fld id="{858D686B-D4D6-461E-B319-AAD4B95859DF}" type="datetimeFigureOut">
               <a:rPr lang="pt-PT" smtClean="0"/>
-              <a:t>15/05/2022</a:t>
+              <a:t>16/05/2022</a:t>
             </a:fld>
             <a:endParaRPr lang="pt-PT" dirty="0"/>
           </a:p>
@@ -3701,7 +3702,7 @@
           <a:p>
             <a:fld id="{CECF0AB5-50A3-476D-8DCD-80FF577EBBB5}" type="slidenum">
               <a:rPr lang="pt-PT" smtClean="0"/>
-              <a:t>‹nº›</a:t>
+              <a:t>‹#›</a:t>
             </a:fld>
             <a:endParaRPr lang="pt-PT" dirty="0"/>
           </a:p>
@@ -3895,7 +3896,7 @@
           <a:p>
             <a:fld id="{858D686B-D4D6-461E-B319-AAD4B95859DF}" type="datetimeFigureOut">
               <a:rPr lang="pt-PT" smtClean="0"/>
-              <a:t>15/05/2022</a:t>
+              <a:t>16/05/2022</a:t>
             </a:fld>
             <a:endParaRPr lang="pt-PT" dirty="0"/>
           </a:p>
@@ -3937,7 +3938,7 @@
           <a:p>
             <a:fld id="{CECF0AB5-50A3-476D-8DCD-80FF577EBBB5}" type="slidenum">
               <a:rPr lang="pt-PT" smtClean="0"/>
-              <a:t>‹nº›</a:t>
+              <a:t>‹#›</a:t>
             </a:fld>
             <a:endParaRPr lang="pt-PT" dirty="0"/>
           </a:p>
@@ -4361,7 +4362,7 @@
           <a:p>
             <a:fld id="{858D686B-D4D6-461E-B319-AAD4B95859DF}" type="datetimeFigureOut">
               <a:rPr lang="pt-PT" smtClean="0"/>
-              <a:t>15/05/2022</a:t>
+              <a:t>16/05/2022</a:t>
             </a:fld>
             <a:endParaRPr lang="pt-PT" dirty="0"/>
           </a:p>
@@ -4403,7 +4404,7 @@
           <a:p>
             <a:fld id="{CECF0AB5-50A3-476D-8DCD-80FF577EBBB5}" type="slidenum">
               <a:rPr lang="pt-PT" smtClean="0"/>
-              <a:t>‹nº›</a:t>
+              <a:t>‹#›</a:t>
             </a:fld>
             <a:endParaRPr lang="pt-PT" dirty="0"/>
           </a:p>
@@ -4479,7 +4480,7 @@
           <a:p>
             <a:fld id="{858D686B-D4D6-461E-B319-AAD4B95859DF}" type="datetimeFigureOut">
               <a:rPr lang="pt-PT" smtClean="0"/>
-              <a:t>15/05/2022</a:t>
+              <a:t>16/05/2022</a:t>
             </a:fld>
             <a:endParaRPr lang="pt-PT" dirty="0"/>
           </a:p>
@@ -4521,7 +4522,7 @@
           <a:p>
             <a:fld id="{CECF0AB5-50A3-476D-8DCD-80FF577EBBB5}" type="slidenum">
               <a:rPr lang="pt-PT" smtClean="0"/>
-              <a:t>‹nº›</a:t>
+              <a:t>‹#›</a:t>
             </a:fld>
             <a:endParaRPr lang="pt-PT" dirty="0"/>
           </a:p>
@@ -4574,7 +4575,7 @@
           <a:p>
             <a:fld id="{858D686B-D4D6-461E-B319-AAD4B95859DF}" type="datetimeFigureOut">
               <a:rPr lang="pt-PT" smtClean="0"/>
-              <a:t>15/05/2022</a:t>
+              <a:t>16/05/2022</a:t>
             </a:fld>
             <a:endParaRPr lang="pt-PT" dirty="0"/>
           </a:p>
@@ -4616,7 +4617,7 @@
           <a:p>
             <a:fld id="{CECF0AB5-50A3-476D-8DCD-80FF577EBBB5}" type="slidenum">
               <a:rPr lang="pt-PT" smtClean="0"/>
-              <a:t>‹nº›</a:t>
+              <a:t>‹#›</a:t>
             </a:fld>
             <a:endParaRPr lang="pt-PT" dirty="0"/>
           </a:p>
@@ -4829,7 +4830,7 @@
           <a:p>
             <a:fld id="{858D686B-D4D6-461E-B319-AAD4B95859DF}" type="datetimeFigureOut">
               <a:rPr lang="pt-PT" smtClean="0"/>
-              <a:t>15/05/2022</a:t>
+              <a:t>16/05/2022</a:t>
             </a:fld>
             <a:endParaRPr lang="pt-PT" dirty="0"/>
           </a:p>
@@ -4871,7 +4872,7 @@
           <a:p>
             <a:fld id="{CECF0AB5-50A3-476D-8DCD-80FF577EBBB5}" type="slidenum">
               <a:rPr lang="pt-PT" smtClean="0"/>
-              <a:t>‹nº›</a:t>
+              <a:t>‹#›</a:t>
             </a:fld>
             <a:endParaRPr lang="pt-PT" dirty="0"/>
           </a:p>
@@ -5129,7 +5130,7 @@
           <a:p>
             <a:fld id="{858D686B-D4D6-461E-B319-AAD4B95859DF}" type="datetimeFigureOut">
               <a:rPr lang="pt-PT" smtClean="0"/>
-              <a:t>15/05/2022</a:t>
+              <a:t>16/05/2022</a:t>
             </a:fld>
             <a:endParaRPr lang="pt-PT" dirty="0"/>
           </a:p>
@@ -5171,7 +5172,7 @@
           <a:p>
             <a:fld id="{CECF0AB5-50A3-476D-8DCD-80FF577EBBB5}" type="slidenum">
               <a:rPr lang="pt-PT" smtClean="0"/>
-              <a:t>‹nº›</a:t>
+              <a:t>‹#›</a:t>
             </a:fld>
             <a:endParaRPr lang="pt-PT" dirty="0"/>
           </a:p>
@@ -5363,7 +5364,7 @@
           <a:p>
             <a:fld id="{858D686B-D4D6-461E-B319-AAD4B95859DF}" type="datetimeFigureOut">
               <a:rPr lang="pt-PT" smtClean="0"/>
-              <a:t>15/05/2022</a:t>
+              <a:t>16/05/2022</a:t>
             </a:fld>
             <a:endParaRPr lang="pt-PT" dirty="0"/>
           </a:p>
@@ -5455,7 +5456,7 @@
           <a:p>
             <a:fld id="{CECF0AB5-50A3-476D-8DCD-80FF577EBBB5}" type="slidenum">
               <a:rPr lang="pt-PT" smtClean="0"/>
-              <a:t>‹nº›</a:t>
+              <a:t>‹#›</a:t>
             </a:fld>
             <a:endParaRPr lang="pt-PT" dirty="0"/>
           </a:p>
@@ -6103,13 +6104,8 @@
           <a:p>
             <a:r>
               <a:rPr lang="pt-PT" dirty="0"/>
-              <a:t>Pedro Coelho - </a:t>
-            </a:r>
-            <a:r>
-              <a:rPr lang="pt-PT" dirty="0" err="1"/>
-              <a:t>upxxxxxxxxx</a:t>
-            </a:r>
-            <a:endParaRPr lang="pt-PT" dirty="0"/>
+              <a:t>Pedro Coelho – up201806802</a:t>
+            </a:r>
           </a:p>
         </p:txBody>
       </p:sp>
@@ -6148,6 +6144,90 @@
           <p:cNvPr id="2" name="Título 1">
             <a:extLst>
               <a:ext uri="{FF2B5EF4-FFF2-40B4-BE49-F238E27FC236}">
+                <a16:creationId xmlns:a16="http://schemas.microsoft.com/office/drawing/2014/main" id="{AD03724B-A5A5-47BA-9698-32F08F41B050}"/>
+              </a:ext>
+            </a:extLst>
+          </p:cNvPr>
+          <p:cNvSpPr>
+            <a:spLocks noGrp="1"/>
+          </p:cNvSpPr>
+          <p:nvPr>
+            <p:ph type="ctrTitle"/>
+          </p:nvPr>
+        </p:nvSpPr>
+        <p:spPr/>
+        <p:txBody>
+          <a:bodyPr/>
+          <a:lstStyle/>
+          <a:p>
+            <a:r>
+              <a:rPr lang="pt-PT" dirty="0"/>
+              <a:t>Adicional Slides</a:t>
+            </a:r>
+            <a:endParaRPr lang="en-US" dirty="0"/>
+          </a:p>
+        </p:txBody>
+      </p:sp>
+      <p:sp>
+        <p:nvSpPr>
+          <p:cNvPr id="5" name="Subtítulo 4">
+            <a:extLst>
+              <a:ext uri="{FF2B5EF4-FFF2-40B4-BE49-F238E27FC236}">
+                <a16:creationId xmlns:a16="http://schemas.microsoft.com/office/drawing/2014/main" id="{7BE033C7-9916-4847-A559-15F19ABC4319}"/>
+              </a:ext>
+            </a:extLst>
+          </p:cNvPr>
+          <p:cNvSpPr>
+            <a:spLocks noGrp="1"/>
+          </p:cNvSpPr>
+          <p:nvPr>
+            <p:ph type="subTitle" idx="1"/>
+          </p:nvPr>
+        </p:nvSpPr>
+        <p:spPr/>
+        <p:txBody>
+          <a:bodyPr/>
+          <a:lstStyle/>
+          <a:p>
+            <a:endParaRPr lang="en-US"/>
+          </a:p>
+        </p:txBody>
+      </p:sp>
+    </p:spTree>
+    <p:extLst>
+      <p:ext uri="{BB962C8B-B14F-4D97-AF65-F5344CB8AC3E}">
+        <p14:creationId xmlns:p14="http://schemas.microsoft.com/office/powerpoint/2010/main" val="3970367541"/>
+      </p:ext>
+    </p:extLst>
+  </p:cSld>
+  <p:clrMapOvr>
+    <a:masterClrMapping/>
+  </p:clrMapOvr>
+</p:sld>
+</file>
+
+<file path=ppt/slides/slide11.xml><?xml version="1.0" encoding="utf-8"?>
+<p:sld xmlns:a="http://schemas.openxmlformats.org/drawingml/2006/main" xmlns:r="http://schemas.openxmlformats.org/officeDocument/2006/relationships" xmlns:p="http://schemas.openxmlformats.org/presentationml/2006/main">
+  <p:cSld>
+    <p:spTree>
+      <p:nvGrpSpPr>
+        <p:cNvPr id="1" name=""/>
+        <p:cNvGrpSpPr/>
+        <p:nvPr/>
+      </p:nvGrpSpPr>
+      <p:grpSpPr>
+        <a:xfrm>
+          <a:off x="0" y="0"/>
+          <a:ext cx="0" cy="0"/>
+          <a:chOff x="0" y="0"/>
+          <a:chExt cx="0" cy="0"/>
+        </a:xfrm>
+      </p:grpSpPr>
+      <p:sp>
+        <p:nvSpPr>
+          <p:cNvPr id="2" name="Título 1">
+            <a:extLst>
+              <a:ext uri="{FF2B5EF4-FFF2-40B4-BE49-F238E27FC236}">
                 <a16:creationId xmlns:a16="http://schemas.microsoft.com/office/drawing/2014/main" id="{085B0C87-8DFC-454D-9C7A-FF27D8642CC4}"/>
               </a:ext>
             </a:extLst>
@@ -6209,7 +6289,7 @@
 </p:sld>
 </file>
 
-<file path=ppt/slides/slide11.xml><?xml version="1.0" encoding="utf-8"?>
+<file path=ppt/slides/slide12.xml><?xml version="1.0" encoding="utf-8"?>
 <p:sld xmlns:a="http://schemas.openxmlformats.org/drawingml/2006/main" xmlns:r="http://schemas.openxmlformats.org/officeDocument/2006/relationships" xmlns:p="http://schemas.openxmlformats.org/presentationml/2006/main">
   <p:cSld>
     <p:spTree>
@@ -6646,7 +6726,7 @@
             </a:r>
             <a:r>
               <a:rPr lang="pt-PT" dirty="0" err="1"/>
-              <a:t>beeing</a:t>
+              <a:t>being</a:t>
             </a:r>
             <a:r>
               <a:rPr lang="pt-PT" dirty="0"/>
@@ -6901,31 +6981,6 @@
       </p:sp>
       <p:sp>
         <p:nvSpPr>
-          <p:cNvPr id="3" name="Marcador de Posição de Conteúdo 2">
-            <a:extLst>
-              <a:ext uri="{FF2B5EF4-FFF2-40B4-BE49-F238E27FC236}">
-                <a16:creationId xmlns:a16="http://schemas.microsoft.com/office/drawing/2014/main" id="{A0385EED-DCE1-4C7F-A2C2-6E71CD4CC66F}"/>
-              </a:ext>
-            </a:extLst>
-          </p:cNvPr>
-          <p:cNvSpPr>
-            <a:spLocks noGrp="1"/>
-          </p:cNvSpPr>
-          <p:nvPr>
-            <p:ph idx="1"/>
-          </p:nvPr>
-        </p:nvSpPr>
-        <p:spPr/>
-        <p:txBody>
-          <a:bodyPr/>
-          <a:lstStyle/>
-          <a:p>
-            <a:endParaRPr lang="en-US" dirty="0"/>
-          </a:p>
-        </p:txBody>
-      </p:sp>
-      <p:sp>
-        <p:nvSpPr>
           <p:cNvPr id="4" name="Retângulo 3">
             <a:extLst>
               <a:ext uri="{FF2B5EF4-FFF2-40B4-BE49-F238E27FC236}">
@@ -7028,10 +7083,10 @@
       </p:sp>
       <p:pic>
         <p:nvPicPr>
-          <p:cNvPr id="11" name="Imagem 10">
+          <p:cNvPr id="10" name="Picture 9" descr="A picture containing diagram&#10;&#10;Description automatically generated">
             <a:extLst>
               <a:ext uri="{FF2B5EF4-FFF2-40B4-BE49-F238E27FC236}">
-                <a16:creationId xmlns:a16="http://schemas.microsoft.com/office/drawing/2014/main" id="{A4939FB7-92E8-4814-BF10-2C52E223AC96}"/>
+                <a16:creationId xmlns:a16="http://schemas.microsoft.com/office/drawing/2014/main" id="{8DAE615F-2D6D-C99B-EDAC-CC46DF903A13}"/>
               </a:ext>
             </a:extLst>
           </p:cNvPr>
@@ -7041,15 +7096,21 @@
           <p:nvPr/>
         </p:nvPicPr>
         <p:blipFill>
-          <a:blip r:embed="rId2"/>
+          <a:blip r:embed="rId2">
+            <a:extLst>
+              <a:ext uri="{28A0092B-C50C-407E-A947-70E740481C1C}">
+                <a14:useLocalDpi xmlns:a14="http://schemas.microsoft.com/office/drawing/2010/main" val="0"/>
+              </a:ext>
+            </a:extLst>
+          </a:blip>
           <a:stretch>
             <a:fillRect/>
           </a:stretch>
         </p:blipFill>
         <p:spPr>
           <a:xfrm>
-            <a:off x="1053057" y="1560456"/>
-            <a:ext cx="10329863" cy="5277950"/>
+            <a:off x="789272" y="1307507"/>
+            <a:ext cx="10857433" cy="5550493"/>
           </a:xfrm>
           <a:prstGeom prst="rect">
             <a:avLst/>
@@ -7091,7 +7152,7 @@
           <p:cNvPr id="2" name="Título 1">
             <a:extLst>
               <a:ext uri="{FF2B5EF4-FFF2-40B4-BE49-F238E27FC236}">
-                <a16:creationId xmlns:a16="http://schemas.microsoft.com/office/drawing/2014/main" id="{88AEC832-41B1-4EC0-8F45-380FECE96D8C}"/>
+                <a16:creationId xmlns:a16="http://schemas.microsoft.com/office/drawing/2014/main" id="{D7127988-9B29-43C4-8E1D-69A8FB733F6A}"/>
               </a:ext>
             </a:extLst>
           </p:cNvPr>
@@ -7109,7 +7170,7 @@
           <a:p>
             <a:r>
               <a:rPr lang="en-US" dirty="0"/>
-              <a:t>Strategies</a:t>
+              <a:t>Agent Creation </a:t>
             </a:r>
           </a:p>
         </p:txBody>
@@ -7119,7 +7180,7 @@
           <p:cNvPr id="3" name="Marcador de Posição de Conteúdo 2">
             <a:extLst>
               <a:ext uri="{FF2B5EF4-FFF2-40B4-BE49-F238E27FC236}">
-                <a16:creationId xmlns:a16="http://schemas.microsoft.com/office/drawing/2014/main" id="{61B81F16-92EE-4A2B-B5D7-8A5E79CBFA5E}"/>
+                <a16:creationId xmlns:a16="http://schemas.microsoft.com/office/drawing/2014/main" id="{595FD241-AF9E-4E28-A46A-63792EBF56C5}"/>
               </a:ext>
             </a:extLst>
           </p:cNvPr>
@@ -7137,54 +7198,57 @@
           <a:p>
             <a:r>
               <a:rPr lang="en-US" dirty="0"/>
-              <a:t>We decided to implement 3 types of client strategies evaluating the proposals in a different manner considering their preferences.</a:t>
-            </a:r>
-          </a:p>
-          <a:p>
-            <a:r>
-              <a:rPr lang="en-US" dirty="0"/>
-              <a:t>The 3 client types are:</a:t>
-            </a:r>
-          </a:p>
-          <a:p>
-            <a:pPr marL="36900" indent="0">
-              <a:buNone/>
-            </a:pPr>
-            <a:r>
-              <a:rPr lang="en-US" dirty="0"/>
-              <a:t>		- Cost focused:  attributes all proposal value to the cost of the delivery, disregarding delivery time.</a:t>
-            </a:r>
-          </a:p>
-          <a:p>
-            <a:pPr marL="36900" indent="0">
-              <a:buNone/>
-            </a:pPr>
-            <a:r>
-              <a:rPr lang="en-US" dirty="0"/>
-              <a:t>		- Time focused:  attributes all proposal value to the time that it takes to conclude the delivery, disregarding delivery cost.</a:t>
-            </a:r>
-          </a:p>
-          <a:p>
-            <a:pPr marL="36900" indent="0">
-              <a:buNone/>
-            </a:pPr>
-            <a:r>
-              <a:rPr lang="en-US" dirty="0"/>
-              <a:t>		- Balanced: Attributes similar value to both parameters.</a:t>
-            </a:r>
-          </a:p>
-          <a:p>
-            <a:pPr marL="36900" indent="0">
-              <a:buNone/>
-            </a:pPr>
-            <a:endParaRPr lang="en-US" dirty="0"/>
+              <a:t>There are 2 types of agents in the system.</a:t>
+            </a:r>
+          </a:p>
+          <a:p>
+            <a:pPr lvl="1"/>
+            <a:r>
+              <a:rPr lang="en-US" sz="2000" dirty="0"/>
+              <a:t>Client Agents: </a:t>
+            </a:r>
+          </a:p>
+          <a:p>
+            <a:pPr lvl="2"/>
+            <a:r>
+              <a:rPr lang="en-US" sz="2000" dirty="0"/>
+              <a:t>Creates a request for a pickup order at a restaurant of their choosing.</a:t>
+            </a:r>
+          </a:p>
+          <a:p>
+            <a:pPr lvl="2"/>
+            <a:r>
+              <a:rPr lang="en-US" sz="2000" dirty="0"/>
+              <a:t>Accept or reject a proposal from a delivery agent</a:t>
+            </a:r>
+          </a:p>
+          <a:p>
+            <a:pPr lvl="1"/>
+            <a:r>
+              <a:rPr lang="en-US" sz="2000" dirty="0"/>
+              <a:t>Deliver Agents:</a:t>
+            </a:r>
+          </a:p>
+          <a:p>
+            <a:pPr lvl="2"/>
+            <a:r>
+              <a:rPr lang="en-US" sz="2000" dirty="0"/>
+              <a:t>Receive Requests and calculate offer cost</a:t>
+            </a:r>
+          </a:p>
+          <a:p>
+            <a:pPr lvl="2"/>
+            <a:r>
+              <a:rPr lang="en-US" sz="2000" dirty="0"/>
+              <a:t>Perform the delivery at the cost of fuel and time.</a:t>
+            </a:r>
           </a:p>
         </p:txBody>
       </p:sp>
     </p:spTree>
     <p:extLst>
       <p:ext uri="{BB962C8B-B14F-4D97-AF65-F5344CB8AC3E}">
-        <p14:creationId xmlns:p14="http://schemas.microsoft.com/office/powerpoint/2010/main" val="2024757831"/>
+        <p14:creationId xmlns:p14="http://schemas.microsoft.com/office/powerpoint/2010/main" val="429455231"/>
       </p:ext>
     </p:extLst>
   </p:cSld>
@@ -7216,7 +7280,7 @@
           <p:cNvPr id="2" name="Título 1">
             <a:extLst>
               <a:ext uri="{FF2B5EF4-FFF2-40B4-BE49-F238E27FC236}">
-                <a16:creationId xmlns:a16="http://schemas.microsoft.com/office/drawing/2014/main" id="{D7127988-9B29-43C4-8E1D-69A8FB733F6A}"/>
+                <a16:creationId xmlns:a16="http://schemas.microsoft.com/office/drawing/2014/main" id="{88AEC832-41B1-4EC0-8F45-380FECE96D8C}"/>
               </a:ext>
             </a:extLst>
           </p:cNvPr>
@@ -7234,7 +7298,7 @@
           <a:p>
             <a:r>
               <a:rPr lang="en-US" dirty="0"/>
-              <a:t>Agent Creation </a:t>
+              <a:t>Strategies</a:t>
             </a:r>
           </a:p>
         </p:txBody>
@@ -7244,7 +7308,7 @@
           <p:cNvPr id="3" name="Marcador de Posição de Conteúdo 2">
             <a:extLst>
               <a:ext uri="{FF2B5EF4-FFF2-40B4-BE49-F238E27FC236}">
-                <a16:creationId xmlns:a16="http://schemas.microsoft.com/office/drawing/2014/main" id="{595FD241-AF9E-4E28-A46A-63792EBF56C5}"/>
+                <a16:creationId xmlns:a16="http://schemas.microsoft.com/office/drawing/2014/main" id="{61B81F16-92EE-4A2B-B5D7-8A5E79CBFA5E}"/>
               </a:ext>
             </a:extLst>
           </p:cNvPr>
@@ -7257,17 +7321,49 @@
         </p:nvSpPr>
         <p:spPr/>
         <p:txBody>
-          <a:bodyPr/>
-          <a:lstStyle/>
-          <a:p>
-            <a:endParaRPr lang="en-US" dirty="0"/>
+          <a:bodyPr>
+            <a:normAutofit/>
+          </a:bodyPr>
+          <a:lstStyle/>
+          <a:p>
+            <a:r>
+              <a:rPr lang="en-US" dirty="0"/>
+              <a:t>We decided to implement 3 types of client strategies evaluating the proposals in a different manner considering their preferences.</a:t>
+            </a:r>
+          </a:p>
+          <a:p>
+            <a:r>
+              <a:rPr lang="en-US" dirty="0"/>
+              <a:t>The 3 client types are:</a:t>
+            </a:r>
+          </a:p>
+          <a:p>
+            <a:pPr lvl="1"/>
+            <a:r>
+              <a:rPr lang="en-US" sz="2000" dirty="0"/>
+              <a:t>Cost focused:  attributes all proposal value to the cost of the delivery, disregarding delivery time.</a:t>
+            </a:r>
+          </a:p>
+          <a:p>
+            <a:pPr lvl="1"/>
+            <a:r>
+              <a:rPr lang="en-US" sz="2000" dirty="0"/>
+              <a:t>Time focused:  attributes all proposal value to the time that it takes to conclude the delivery, disregarding delivery cost.</a:t>
+            </a:r>
+          </a:p>
+          <a:p>
+            <a:pPr lvl="1"/>
+            <a:r>
+              <a:rPr lang="en-US" sz="2000" dirty="0"/>
+              <a:t>Balanced: Attributes similar value to both parameters.</a:t>
+            </a:r>
           </a:p>
         </p:txBody>
       </p:sp>
     </p:spTree>
     <p:extLst>
       <p:ext uri="{BB962C8B-B14F-4D97-AF65-F5344CB8AC3E}">
-        <p14:creationId xmlns:p14="http://schemas.microsoft.com/office/powerpoint/2010/main" val="429455231"/>
+        <p14:creationId xmlns:p14="http://schemas.microsoft.com/office/powerpoint/2010/main" val="2024757831"/>
       </p:ext>
     </p:extLst>
   </p:cSld>
@@ -7343,6 +7439,48 @@
           <a:bodyPr/>
           <a:lstStyle/>
           <a:p>
+            <a:r>
+              <a:rPr lang="en-US" dirty="0"/>
+              <a:t>During the development of the project several experiments were made with different number of clients and deliver agents. </a:t>
+            </a:r>
+          </a:p>
+          <a:p>
+            <a:endParaRPr lang="en-US" dirty="0"/>
+          </a:p>
+          <a:p>
+            <a:r>
+              <a:rPr lang="en-US" dirty="0"/>
+              <a:t>Client and delivery agent parameters were also changed:</a:t>
+            </a:r>
+          </a:p>
+          <a:p>
+            <a:pPr lvl="1"/>
+            <a:r>
+              <a:rPr lang="en-US" dirty="0"/>
+              <a:t>Time/Cost preference</a:t>
+            </a:r>
+          </a:p>
+          <a:p>
+            <a:pPr lvl="1"/>
+            <a:r>
+              <a:rPr lang="en-US" dirty="0"/>
+              <a:t>Deliverer travel speed</a:t>
+            </a:r>
+          </a:p>
+          <a:p>
+            <a:pPr lvl="1"/>
+            <a:r>
+              <a:rPr lang="en-US" dirty="0"/>
+              <a:t>Fuel amount</a:t>
+            </a:r>
+          </a:p>
+          <a:p>
+            <a:endParaRPr lang="en-US" dirty="0"/>
+          </a:p>
+          <a:p>
+            <a:pPr marL="36900" indent="0">
+              <a:buNone/>
+            </a:pPr>
             <a:endParaRPr lang="en-US" dirty="0"/>
           </a:p>
         </p:txBody>
@@ -7426,7 +7564,33 @@
           <a:bodyPr/>
           <a:lstStyle/>
           <a:p>
+            <a:r>
+              <a:rPr lang="en-US" dirty="0"/>
+              <a:t>As expected, the more delivery agents the quicker the orders get filled out.</a:t>
+            </a:r>
+          </a:p>
+          <a:p>
             <a:endParaRPr lang="en-US" dirty="0"/>
+          </a:p>
+          <a:p>
+            <a:pPr>
+              <a:lnSpc>
+                <a:spcPct val="150000"/>
+              </a:lnSpc>
+            </a:pPr>
+            <a:r>
+              <a:rPr lang="en-US" dirty="0"/>
+              <a:t>Having more clients ordering with time being minimized and a higher cost causes delivery agents with higher speed to be more requested.</a:t>
+            </a:r>
+          </a:p>
+          <a:p>
+            <a:endParaRPr lang="en-US" dirty="0"/>
+          </a:p>
+          <a:p>
+            <a:r>
+              <a:rPr lang="en-US" dirty="0"/>
+              <a:t>Lower fuel cap prevents deliverers from travelling too far</a:t>
+            </a:r>
           </a:p>
         </p:txBody>
       </p:sp>
@@ -7462,10 +7626,10 @@
       </p:grpSpPr>
       <p:sp>
         <p:nvSpPr>
-          <p:cNvPr id="2" name="Título 1">
+          <p:cNvPr id="2" name="Title 1">
             <a:extLst>
               <a:ext uri="{FF2B5EF4-FFF2-40B4-BE49-F238E27FC236}">
-                <a16:creationId xmlns:a16="http://schemas.microsoft.com/office/drawing/2014/main" id="{AD03724B-A5A5-47BA-9698-32F08F41B050}"/>
+                <a16:creationId xmlns:a16="http://schemas.microsoft.com/office/drawing/2014/main" id="{9BE2BB34-D998-B95E-F92E-9E08C71FB8B6}"/>
               </a:ext>
             </a:extLst>
           </p:cNvPr>
@@ -7473,7 +7637,7 @@
             <a:spLocks noGrp="1"/>
           </p:cNvSpPr>
           <p:nvPr>
-            <p:ph type="ctrTitle"/>
+            <p:ph type="title"/>
           </p:nvPr>
         </p:nvSpPr>
         <p:spPr/>
@@ -7482,19 +7646,18 @@
           <a:lstStyle/>
           <a:p>
             <a:r>
-              <a:rPr lang="pt-PT" dirty="0"/>
-              <a:t>Adicional Slides</a:t>
-            </a:r>
-            <a:endParaRPr lang="en-US" dirty="0"/>
-          </a:p>
-        </p:txBody>
-      </p:sp>
-      <p:sp>
-        <p:nvSpPr>
-          <p:cNvPr id="5" name="Subtítulo 4">
+              <a:rPr lang="en-GB" dirty="0"/>
+              <a:t>Conclusion</a:t>
+            </a:r>
+          </a:p>
+        </p:txBody>
+      </p:sp>
+      <p:sp>
+        <p:nvSpPr>
+          <p:cNvPr id="3" name="Content Placeholder 2">
             <a:extLst>
               <a:ext uri="{FF2B5EF4-FFF2-40B4-BE49-F238E27FC236}">
-                <a16:creationId xmlns:a16="http://schemas.microsoft.com/office/drawing/2014/main" id="{7BE033C7-9916-4847-A559-15F19ABC4319}"/>
+                <a16:creationId xmlns:a16="http://schemas.microsoft.com/office/drawing/2014/main" id="{8E55E6EF-D8E6-4541-1422-3670848D77E6}"/>
               </a:ext>
             </a:extLst>
           </p:cNvPr>
@@ -7502,7 +7665,7 @@
             <a:spLocks noGrp="1"/>
           </p:cNvSpPr>
           <p:nvPr>
-            <p:ph type="subTitle" idx="1"/>
+            <p:ph idx="1"/>
           </p:nvPr>
         </p:nvSpPr>
         <p:spPr/>
@@ -7510,14 +7673,38 @@
           <a:bodyPr/>
           <a:lstStyle/>
           <a:p>
-            <a:endParaRPr lang="en-US"/>
+            <a:pPr>
+              <a:lnSpc>
+                <a:spcPct val="150000"/>
+              </a:lnSpc>
+            </a:pPr>
+            <a:r>
+              <a:rPr lang="en-GB" dirty="0"/>
+              <a:t>Overall this project was completed successfully. By using the Jade framework and the java programming language we were able to simulate a system of food delivery with several agents involved.</a:t>
+            </a:r>
+          </a:p>
+          <a:p>
+            <a:pPr>
+              <a:lnSpc>
+                <a:spcPct val="150000"/>
+              </a:lnSpc>
+            </a:pPr>
+            <a:r>
+              <a:rPr lang="en-GB" dirty="0"/>
+              <a:t>For future work we could improve the share ride feature to allow for a more dynamic allocation of resources. Add restaurant waiting times and scale the problem to different cities</a:t>
+            </a:r>
+            <a:r>
+              <a:rPr lang="en-GB"/>
+              <a:t>/regions.</a:t>
+            </a:r>
+            <a:endParaRPr lang="en-GB" dirty="0"/>
           </a:p>
         </p:txBody>
       </p:sp>
     </p:spTree>
     <p:extLst>
       <p:ext uri="{BB962C8B-B14F-4D97-AF65-F5344CB8AC3E}">
-        <p14:creationId xmlns:p14="http://schemas.microsoft.com/office/powerpoint/2010/main" val="3970367541"/>
+        <p14:creationId xmlns:p14="http://schemas.microsoft.com/office/powerpoint/2010/main" val="2766750294"/>
       </p:ext>
     </p:extLst>
   </p:cSld>

--- a/docs/Uber Eats.pptx
+++ b/docs/Uber Eats.pptx
@@ -7,16 +7,22 @@
   <p:sldIdLst>
     <p:sldId id="256" r:id="rId2"/>
     <p:sldId id="257" r:id="rId3"/>
-    <p:sldId id="258" r:id="rId4"/>
-    <p:sldId id="259" r:id="rId5"/>
-    <p:sldId id="261" r:id="rId6"/>
-    <p:sldId id="260" r:id="rId7"/>
-    <p:sldId id="262" r:id="rId8"/>
-    <p:sldId id="263" r:id="rId9"/>
-    <p:sldId id="267" r:id="rId10"/>
-    <p:sldId id="265" r:id="rId11"/>
-    <p:sldId id="264" r:id="rId12"/>
-    <p:sldId id="266" r:id="rId13"/>
+    <p:sldId id="259" r:id="rId4"/>
+    <p:sldId id="261" r:id="rId5"/>
+    <p:sldId id="260" r:id="rId6"/>
+    <p:sldId id="262" r:id="rId7"/>
+    <p:sldId id="268" r:id="rId8"/>
+    <p:sldId id="270" r:id="rId9"/>
+    <p:sldId id="263" r:id="rId10"/>
+    <p:sldId id="267" r:id="rId11"/>
+    <p:sldId id="265" r:id="rId12"/>
+    <p:sldId id="264" r:id="rId13"/>
+    <p:sldId id="271" r:id="rId14"/>
+    <p:sldId id="272" r:id="rId15"/>
+    <p:sldId id="273" r:id="rId16"/>
+    <p:sldId id="274" r:id="rId17"/>
+    <p:sldId id="266" r:id="rId18"/>
+    <p:sldId id="269" r:id="rId19"/>
   </p:sldIdLst>
   <p:sldSz cx="12192000" cy="6858000"/>
   <p:notesSz cx="6858000" cy="9144000"/>
@@ -358,7 +364,7 @@
           <a:p>
             <a:fld id="{CECF0AB5-50A3-476D-8DCD-80FF577EBBB5}" type="slidenum">
               <a:rPr lang="pt-PT" smtClean="0"/>
-              <a:t>‹#›</a:t>
+              <a:t>‹nº›</a:t>
             </a:fld>
             <a:endParaRPr lang="pt-PT" dirty="0"/>
           </a:p>
@@ -656,7 +662,7 @@
           <a:p>
             <a:fld id="{CECF0AB5-50A3-476D-8DCD-80FF577EBBB5}" type="slidenum">
               <a:rPr lang="pt-PT" smtClean="0"/>
-              <a:t>‹#›</a:t>
+              <a:t>‹nº›</a:t>
             </a:fld>
             <a:endParaRPr lang="pt-PT" dirty="0"/>
           </a:p>
@@ -848,7 +854,7 @@
           <a:p>
             <a:fld id="{CECF0AB5-50A3-476D-8DCD-80FF577EBBB5}" type="slidenum">
               <a:rPr lang="pt-PT" smtClean="0"/>
-              <a:t>‹#›</a:t>
+              <a:t>‹nº›</a:t>
             </a:fld>
             <a:endParaRPr lang="pt-PT" dirty="0"/>
           </a:p>
@@ -1109,7 +1115,7 @@
           <a:p>
             <a:fld id="{CECF0AB5-50A3-476D-8DCD-80FF577EBBB5}" type="slidenum">
               <a:rPr lang="pt-PT" smtClean="0"/>
-              <a:t>‹#›</a:t>
+              <a:t>‹nº›</a:t>
             </a:fld>
             <a:endParaRPr lang="pt-PT" dirty="0"/>
           </a:p>
@@ -1533,7 +1539,7 @@
           <a:p>
             <a:fld id="{CECF0AB5-50A3-476D-8DCD-80FF577EBBB5}" type="slidenum">
               <a:rPr lang="pt-PT" smtClean="0"/>
-              <a:t>‹#›</a:t>
+              <a:t>‹nº›</a:t>
             </a:fld>
             <a:endParaRPr lang="pt-PT" dirty="0"/>
           </a:p>
@@ -2070,7 +2076,7 @@
           <a:p>
             <a:fld id="{CECF0AB5-50A3-476D-8DCD-80FF577EBBB5}" type="slidenum">
               <a:rPr lang="pt-PT" smtClean="0"/>
-              <a:t>‹#›</a:t>
+              <a:t>‹nº›</a:t>
             </a:fld>
             <a:endParaRPr lang="pt-PT" dirty="0"/>
           </a:p>
@@ -2934,7 +2940,7 @@
           <a:p>
             <a:fld id="{CECF0AB5-50A3-476D-8DCD-80FF577EBBB5}" type="slidenum">
               <a:rPr lang="pt-PT" smtClean="0"/>
-              <a:t>‹#›</a:t>
+              <a:t>‹nº›</a:t>
             </a:fld>
             <a:endParaRPr lang="pt-PT" dirty="0"/>
           </a:p>
@@ -3104,7 +3110,7 @@
           <a:p>
             <a:fld id="{CECF0AB5-50A3-476D-8DCD-80FF577EBBB5}" type="slidenum">
               <a:rPr lang="pt-PT" smtClean="0"/>
-              <a:t>‹#›</a:t>
+              <a:t>‹nº›</a:t>
             </a:fld>
             <a:endParaRPr lang="pt-PT" dirty="0"/>
           </a:p>
@@ -3288,7 +3294,7 @@
           <a:p>
             <a:fld id="{CECF0AB5-50A3-476D-8DCD-80FF577EBBB5}" type="slidenum">
               <a:rPr lang="pt-PT" smtClean="0"/>
-              <a:t>‹#›</a:t>
+              <a:t>‹nº›</a:t>
             </a:fld>
             <a:endParaRPr lang="pt-PT" dirty="0"/>
           </a:p>
@@ -3458,7 +3464,7 @@
           <a:p>
             <a:fld id="{CECF0AB5-50A3-476D-8DCD-80FF577EBBB5}" type="slidenum">
               <a:rPr lang="pt-PT" smtClean="0"/>
-              <a:t>‹#›</a:t>
+              <a:t>‹nº›</a:t>
             </a:fld>
             <a:endParaRPr lang="pt-PT" dirty="0"/>
           </a:p>
@@ -3702,7 +3708,7 @@
           <a:p>
             <a:fld id="{CECF0AB5-50A3-476D-8DCD-80FF577EBBB5}" type="slidenum">
               <a:rPr lang="pt-PT" smtClean="0"/>
-              <a:t>‹#›</a:t>
+              <a:t>‹nº›</a:t>
             </a:fld>
             <a:endParaRPr lang="pt-PT" dirty="0"/>
           </a:p>
@@ -3938,7 +3944,7 @@
           <a:p>
             <a:fld id="{CECF0AB5-50A3-476D-8DCD-80FF577EBBB5}" type="slidenum">
               <a:rPr lang="pt-PT" smtClean="0"/>
-              <a:t>‹#›</a:t>
+              <a:t>‹nº›</a:t>
             </a:fld>
             <a:endParaRPr lang="pt-PT" dirty="0"/>
           </a:p>
@@ -4404,7 +4410,7 @@
           <a:p>
             <a:fld id="{CECF0AB5-50A3-476D-8DCD-80FF577EBBB5}" type="slidenum">
               <a:rPr lang="pt-PT" smtClean="0"/>
-              <a:t>‹#›</a:t>
+              <a:t>‹nº›</a:t>
             </a:fld>
             <a:endParaRPr lang="pt-PT" dirty="0"/>
           </a:p>
@@ -4522,7 +4528,7 @@
           <a:p>
             <a:fld id="{CECF0AB5-50A3-476D-8DCD-80FF577EBBB5}" type="slidenum">
               <a:rPr lang="pt-PT" smtClean="0"/>
-              <a:t>‹#›</a:t>
+              <a:t>‹nº›</a:t>
             </a:fld>
             <a:endParaRPr lang="pt-PT" dirty="0"/>
           </a:p>
@@ -4617,7 +4623,7 @@
           <a:p>
             <a:fld id="{CECF0AB5-50A3-476D-8DCD-80FF577EBBB5}" type="slidenum">
               <a:rPr lang="pt-PT" smtClean="0"/>
-              <a:t>‹#›</a:t>
+              <a:t>‹nº›</a:t>
             </a:fld>
             <a:endParaRPr lang="pt-PT" dirty="0"/>
           </a:p>
@@ -4872,7 +4878,7 @@
           <a:p>
             <a:fld id="{CECF0AB5-50A3-476D-8DCD-80FF577EBBB5}" type="slidenum">
               <a:rPr lang="pt-PT" smtClean="0"/>
-              <a:t>‹#›</a:t>
+              <a:t>‹nº›</a:t>
             </a:fld>
             <a:endParaRPr lang="pt-PT" dirty="0"/>
           </a:p>
@@ -5172,7 +5178,7 @@
           <a:p>
             <a:fld id="{CECF0AB5-50A3-476D-8DCD-80FF577EBBB5}" type="slidenum">
               <a:rPr lang="pt-PT" smtClean="0"/>
-              <a:t>‹#›</a:t>
+              <a:t>‹nº›</a:t>
             </a:fld>
             <a:endParaRPr lang="pt-PT" dirty="0"/>
           </a:p>
@@ -5456,7 +5462,7 @@
           <a:p>
             <a:fld id="{CECF0AB5-50A3-476D-8DCD-80FF577EBBB5}" type="slidenum">
               <a:rPr lang="pt-PT" smtClean="0"/>
-              <a:t>‹#›</a:t>
+              <a:t>‹nº›</a:t>
             </a:fld>
             <a:endParaRPr lang="pt-PT" dirty="0"/>
           </a:p>
@@ -6141,10 +6147,10 @@
       </p:grpSpPr>
       <p:sp>
         <p:nvSpPr>
-          <p:cNvPr id="2" name="Título 1">
+          <p:cNvPr id="2" name="Title 1">
             <a:extLst>
               <a:ext uri="{FF2B5EF4-FFF2-40B4-BE49-F238E27FC236}">
-                <a16:creationId xmlns:a16="http://schemas.microsoft.com/office/drawing/2014/main" id="{AD03724B-A5A5-47BA-9698-32F08F41B050}"/>
+                <a16:creationId xmlns:a16="http://schemas.microsoft.com/office/drawing/2014/main" id="{9BE2BB34-D998-B95E-F92E-9E08C71FB8B6}"/>
               </a:ext>
             </a:extLst>
           </p:cNvPr>
@@ -6152,7 +6158,7 @@
             <a:spLocks noGrp="1"/>
           </p:cNvSpPr>
           <p:nvPr>
-            <p:ph type="ctrTitle"/>
+            <p:ph type="title"/>
           </p:nvPr>
         </p:nvSpPr>
         <p:spPr/>
@@ -6161,19 +6167,18 @@
           <a:lstStyle/>
           <a:p>
             <a:r>
-              <a:rPr lang="pt-PT" dirty="0"/>
-              <a:t>Adicional Slides</a:t>
-            </a:r>
-            <a:endParaRPr lang="en-US" dirty="0"/>
-          </a:p>
-        </p:txBody>
-      </p:sp>
-      <p:sp>
-        <p:nvSpPr>
-          <p:cNvPr id="5" name="Subtítulo 4">
+              <a:rPr lang="en-GB" dirty="0"/>
+              <a:t>Conclusion</a:t>
+            </a:r>
+          </a:p>
+        </p:txBody>
+      </p:sp>
+      <p:sp>
+        <p:nvSpPr>
+          <p:cNvPr id="3" name="Content Placeholder 2">
             <a:extLst>
               <a:ext uri="{FF2B5EF4-FFF2-40B4-BE49-F238E27FC236}">
-                <a16:creationId xmlns:a16="http://schemas.microsoft.com/office/drawing/2014/main" id="{7BE033C7-9916-4847-A559-15F19ABC4319}"/>
+                <a16:creationId xmlns:a16="http://schemas.microsoft.com/office/drawing/2014/main" id="{8E55E6EF-D8E6-4541-1422-3670848D77E6}"/>
               </a:ext>
             </a:extLst>
           </p:cNvPr>
@@ -6181,7 +6186,7 @@
             <a:spLocks noGrp="1"/>
           </p:cNvSpPr>
           <p:nvPr>
-            <p:ph type="subTitle" idx="1"/>
+            <p:ph idx="1"/>
           </p:nvPr>
         </p:nvSpPr>
         <p:spPr/>
@@ -6189,14 +6194,33 @@
           <a:bodyPr/>
           <a:lstStyle/>
           <a:p>
-            <a:endParaRPr lang="en-US"/>
+            <a:pPr>
+              <a:lnSpc>
+                <a:spcPct val="150000"/>
+              </a:lnSpc>
+            </a:pPr>
+            <a:r>
+              <a:rPr lang="en-GB" dirty="0"/>
+              <a:t>Overall this project was completed successfully. By using the Jade framework and the java programming language we were able to simulate a system of food delivery with multiple agents involved.</a:t>
+            </a:r>
+          </a:p>
+          <a:p>
+            <a:pPr>
+              <a:lnSpc>
+                <a:spcPct val="150000"/>
+              </a:lnSpc>
+            </a:pPr>
+            <a:r>
+              <a:rPr lang="en-GB" dirty="0"/>
+              <a:t>For future work we could implement the share ride feature to allow for a more dynamic allocation of resources, as well as implementing a visual interface to better visualize the systems execution.</a:t>
+            </a:r>
           </a:p>
         </p:txBody>
       </p:sp>
     </p:spTree>
     <p:extLst>
       <p:ext uri="{BB962C8B-B14F-4D97-AF65-F5344CB8AC3E}">
-        <p14:creationId xmlns:p14="http://schemas.microsoft.com/office/powerpoint/2010/main" val="3970367541"/>
+        <p14:creationId xmlns:p14="http://schemas.microsoft.com/office/powerpoint/2010/main" val="2766750294"/>
       </p:ext>
     </p:extLst>
   </p:cSld>
@@ -6228,7 +6252,7 @@
           <p:cNvPr id="2" name="Título 1">
             <a:extLst>
               <a:ext uri="{FF2B5EF4-FFF2-40B4-BE49-F238E27FC236}">
-                <a16:creationId xmlns:a16="http://schemas.microsoft.com/office/drawing/2014/main" id="{085B0C87-8DFC-454D-9C7A-FF27D8642CC4}"/>
+                <a16:creationId xmlns:a16="http://schemas.microsoft.com/office/drawing/2014/main" id="{AD03724B-A5A5-47BA-9698-32F08F41B050}"/>
               </a:ext>
             </a:extLst>
           </p:cNvPr>
@@ -6236,7 +6260,7 @@
             <a:spLocks noGrp="1"/>
           </p:cNvSpPr>
           <p:nvPr>
-            <p:ph type="title"/>
+            <p:ph type="ctrTitle"/>
           </p:nvPr>
         </p:nvSpPr>
         <p:spPr/>
@@ -6245,18 +6269,19 @@
           <a:lstStyle/>
           <a:p>
             <a:r>
-              <a:rPr lang="en-US" dirty="0"/>
-              <a:t>Implemented Classes</a:t>
-            </a:r>
-          </a:p>
-        </p:txBody>
-      </p:sp>
-      <p:sp>
-        <p:nvSpPr>
-          <p:cNvPr id="3" name="Marcador de Posição de Conteúdo 2">
+              <a:rPr lang="pt-PT" dirty="0"/>
+              <a:t>Adicional Slides</a:t>
+            </a:r>
+            <a:endParaRPr lang="en-US" dirty="0"/>
+          </a:p>
+        </p:txBody>
+      </p:sp>
+      <p:sp>
+        <p:nvSpPr>
+          <p:cNvPr id="5" name="Subtítulo 4">
             <a:extLst>
               <a:ext uri="{FF2B5EF4-FFF2-40B4-BE49-F238E27FC236}">
-                <a16:creationId xmlns:a16="http://schemas.microsoft.com/office/drawing/2014/main" id="{9A066435-CA1E-45E8-87F0-6B704BD1299B}"/>
+                <a16:creationId xmlns:a16="http://schemas.microsoft.com/office/drawing/2014/main" id="{7BE033C7-9916-4847-A559-15F19ABC4319}"/>
               </a:ext>
             </a:extLst>
           </p:cNvPr>
@@ -6264,7 +6289,7 @@
             <a:spLocks noGrp="1"/>
           </p:cNvSpPr>
           <p:nvPr>
-            <p:ph idx="1"/>
+            <p:ph type="subTitle" idx="1"/>
           </p:nvPr>
         </p:nvSpPr>
         <p:spPr/>
@@ -6272,14 +6297,14 @@
           <a:bodyPr/>
           <a:lstStyle/>
           <a:p>
-            <a:endParaRPr lang="en-US" dirty="0"/>
+            <a:endParaRPr lang="en-US"/>
           </a:p>
         </p:txBody>
       </p:sp>
     </p:spTree>
     <p:extLst>
       <p:ext uri="{BB962C8B-B14F-4D97-AF65-F5344CB8AC3E}">
-        <p14:creationId xmlns:p14="http://schemas.microsoft.com/office/powerpoint/2010/main" val="2685206047"/>
+        <p14:creationId xmlns:p14="http://schemas.microsoft.com/office/powerpoint/2010/main" val="3970367541"/>
       </p:ext>
     </p:extLst>
   </p:cSld>
@@ -6311,6 +6336,1045 @@
           <p:cNvPr id="2" name="Título 1">
             <a:extLst>
               <a:ext uri="{FF2B5EF4-FFF2-40B4-BE49-F238E27FC236}">
+                <a16:creationId xmlns:a16="http://schemas.microsoft.com/office/drawing/2014/main" id="{085B0C87-8DFC-454D-9C7A-FF27D8642CC4}"/>
+              </a:ext>
+            </a:extLst>
+          </p:cNvPr>
+          <p:cNvSpPr>
+            <a:spLocks noGrp="1"/>
+          </p:cNvSpPr>
+          <p:nvPr>
+            <p:ph type="title"/>
+          </p:nvPr>
+        </p:nvSpPr>
+        <p:spPr/>
+        <p:txBody>
+          <a:bodyPr/>
+          <a:lstStyle/>
+          <a:p>
+            <a:r>
+              <a:rPr lang="en-US" dirty="0"/>
+              <a:t>Implemented Important Classes</a:t>
+            </a:r>
+          </a:p>
+        </p:txBody>
+      </p:sp>
+      <p:sp>
+        <p:nvSpPr>
+          <p:cNvPr id="3" name="Marcador de Posição de Conteúdo 2">
+            <a:extLst>
+              <a:ext uri="{FF2B5EF4-FFF2-40B4-BE49-F238E27FC236}">
+                <a16:creationId xmlns:a16="http://schemas.microsoft.com/office/drawing/2014/main" id="{9A066435-CA1E-45E8-87F0-6B704BD1299B}"/>
+              </a:ext>
+            </a:extLst>
+          </p:cNvPr>
+          <p:cNvSpPr>
+            <a:spLocks noGrp="1"/>
+          </p:cNvSpPr>
+          <p:nvPr>
+            <p:ph idx="1"/>
+          </p:nvPr>
+        </p:nvSpPr>
+        <p:spPr/>
+        <p:txBody>
+          <a:bodyPr/>
+          <a:lstStyle/>
+          <a:p>
+            <a:r>
+              <a:rPr lang="pt-PT" dirty="0" err="1"/>
+              <a:t>Agent</a:t>
+            </a:r>
+            <a:r>
+              <a:rPr lang="pt-PT" dirty="0"/>
+              <a:t> Classes</a:t>
+            </a:r>
+            <a:endParaRPr lang="en-US" dirty="0"/>
+          </a:p>
+        </p:txBody>
+      </p:sp>
+      <p:pic>
+        <p:nvPicPr>
+          <p:cNvPr id="4" name="Imagem 3">
+            <a:extLst>
+              <a:ext uri="{FF2B5EF4-FFF2-40B4-BE49-F238E27FC236}">
+                <a16:creationId xmlns:a16="http://schemas.microsoft.com/office/drawing/2014/main" id="{ACB360FF-01B1-436D-BE96-F65C2F3E389F}"/>
+              </a:ext>
+            </a:extLst>
+          </p:cNvPr>
+          <p:cNvPicPr>
+            <a:picLocks noChangeAspect="1"/>
+          </p:cNvPicPr>
+          <p:nvPr/>
+        </p:nvPicPr>
+        <p:blipFill>
+          <a:blip r:embed="rId2"/>
+          <a:stretch>
+            <a:fillRect/>
+          </a:stretch>
+        </p:blipFill>
+        <p:spPr>
+          <a:xfrm>
+            <a:off x="913795" y="2866729"/>
+            <a:ext cx="4123247" cy="1810803"/>
+          </a:xfrm>
+          <a:prstGeom prst="rect">
+            <a:avLst/>
+          </a:prstGeom>
+        </p:spPr>
+      </p:pic>
+      <p:pic>
+        <p:nvPicPr>
+          <p:cNvPr id="5" name="Imagem 4">
+            <a:extLst>
+              <a:ext uri="{FF2B5EF4-FFF2-40B4-BE49-F238E27FC236}">
+                <a16:creationId xmlns:a16="http://schemas.microsoft.com/office/drawing/2014/main" id="{0FD5265F-845A-4611-9874-C962F07E417B}"/>
+              </a:ext>
+            </a:extLst>
+          </p:cNvPr>
+          <p:cNvPicPr>
+            <a:picLocks noChangeAspect="1"/>
+          </p:cNvPicPr>
+          <p:nvPr/>
+        </p:nvPicPr>
+        <p:blipFill>
+          <a:blip r:embed="rId3"/>
+          <a:stretch>
+            <a:fillRect/>
+          </a:stretch>
+        </p:blipFill>
+        <p:spPr>
+          <a:xfrm>
+            <a:off x="6579906" y="2857622"/>
+            <a:ext cx="4134427" cy="2010056"/>
+          </a:xfrm>
+          <a:prstGeom prst="rect">
+            <a:avLst/>
+          </a:prstGeom>
+        </p:spPr>
+      </p:pic>
+    </p:spTree>
+    <p:extLst>
+      <p:ext uri="{BB962C8B-B14F-4D97-AF65-F5344CB8AC3E}">
+        <p14:creationId xmlns:p14="http://schemas.microsoft.com/office/powerpoint/2010/main" val="2685206047"/>
+      </p:ext>
+    </p:extLst>
+  </p:cSld>
+  <p:clrMapOvr>
+    <a:masterClrMapping/>
+  </p:clrMapOvr>
+</p:sld>
+</file>
+
+<file path=ppt/slides/slide13.xml><?xml version="1.0" encoding="utf-8"?>
+<p:sld xmlns:a="http://schemas.openxmlformats.org/drawingml/2006/main" xmlns:r="http://schemas.openxmlformats.org/officeDocument/2006/relationships" xmlns:p="http://schemas.openxmlformats.org/presentationml/2006/main">
+  <p:cSld>
+    <p:spTree>
+      <p:nvGrpSpPr>
+        <p:cNvPr id="1" name=""/>
+        <p:cNvGrpSpPr/>
+        <p:nvPr/>
+      </p:nvGrpSpPr>
+      <p:grpSpPr>
+        <a:xfrm>
+          <a:off x="0" y="0"/>
+          <a:ext cx="0" cy="0"/>
+          <a:chOff x="0" y="0"/>
+          <a:chExt cx="0" cy="0"/>
+        </a:xfrm>
+      </p:grpSpPr>
+      <p:sp>
+        <p:nvSpPr>
+          <p:cNvPr id="2" name="Título 1">
+            <a:extLst>
+              <a:ext uri="{FF2B5EF4-FFF2-40B4-BE49-F238E27FC236}">
+                <a16:creationId xmlns:a16="http://schemas.microsoft.com/office/drawing/2014/main" id="{FE369157-29B7-490F-A16B-D1BF69C756D2}"/>
+              </a:ext>
+            </a:extLst>
+          </p:cNvPr>
+          <p:cNvSpPr>
+            <a:spLocks noGrp="1"/>
+          </p:cNvSpPr>
+          <p:nvPr>
+            <p:ph type="title"/>
+          </p:nvPr>
+        </p:nvSpPr>
+        <p:spPr/>
+        <p:txBody>
+          <a:bodyPr/>
+          <a:lstStyle/>
+          <a:p>
+            <a:endParaRPr lang="en-US"/>
+          </a:p>
+        </p:txBody>
+      </p:sp>
+      <p:pic>
+        <p:nvPicPr>
+          <p:cNvPr id="5" name="Marcador de Posição de Conteúdo 4">
+            <a:extLst>
+              <a:ext uri="{FF2B5EF4-FFF2-40B4-BE49-F238E27FC236}">
+                <a16:creationId xmlns:a16="http://schemas.microsoft.com/office/drawing/2014/main" id="{8FD1821B-B755-40AD-9BDE-2CF2F244FD8F}"/>
+              </a:ext>
+            </a:extLst>
+          </p:cNvPr>
+          <p:cNvPicPr>
+            <a:picLocks noGrp="1" noChangeAspect="1"/>
+          </p:cNvPicPr>
+          <p:nvPr>
+            <p:ph idx="1"/>
+          </p:nvPr>
+        </p:nvPicPr>
+        <p:blipFill>
+          <a:blip r:embed="rId2"/>
+          <a:stretch>
+            <a:fillRect/>
+          </a:stretch>
+        </p:blipFill>
+        <p:spPr>
+          <a:xfrm>
+            <a:off x="913795" y="3660898"/>
+            <a:ext cx="5048955" cy="333422"/>
+          </a:xfrm>
+          <a:prstGeom prst="rect">
+            <a:avLst/>
+          </a:prstGeom>
+        </p:spPr>
+      </p:pic>
+      <p:pic>
+        <p:nvPicPr>
+          <p:cNvPr id="4" name="Imagem 3">
+            <a:extLst>
+              <a:ext uri="{FF2B5EF4-FFF2-40B4-BE49-F238E27FC236}">
+                <a16:creationId xmlns:a16="http://schemas.microsoft.com/office/drawing/2014/main" id="{6C62BB89-27E8-4891-88F2-E473210C1B76}"/>
+              </a:ext>
+            </a:extLst>
+          </p:cNvPr>
+          <p:cNvPicPr>
+            <a:picLocks noChangeAspect="1"/>
+          </p:cNvPicPr>
+          <p:nvPr/>
+        </p:nvPicPr>
+        <p:blipFill>
+          <a:blip r:embed="rId3"/>
+          <a:stretch>
+            <a:fillRect/>
+          </a:stretch>
+        </p:blipFill>
+        <p:spPr>
+          <a:xfrm>
+            <a:off x="1780690" y="2034890"/>
+            <a:ext cx="3315163" cy="1162212"/>
+          </a:xfrm>
+          <a:prstGeom prst="rect">
+            <a:avLst/>
+          </a:prstGeom>
+        </p:spPr>
+      </p:pic>
+      <p:pic>
+        <p:nvPicPr>
+          <p:cNvPr id="6" name="Imagem 5">
+            <a:extLst>
+              <a:ext uri="{FF2B5EF4-FFF2-40B4-BE49-F238E27FC236}">
+                <a16:creationId xmlns:a16="http://schemas.microsoft.com/office/drawing/2014/main" id="{53957FB3-60FF-48D8-A4B9-775185C055D6}"/>
+              </a:ext>
+            </a:extLst>
+          </p:cNvPr>
+          <p:cNvPicPr>
+            <a:picLocks noChangeAspect="1"/>
+          </p:cNvPicPr>
+          <p:nvPr/>
+        </p:nvPicPr>
+        <p:blipFill>
+          <a:blip r:embed="rId4"/>
+          <a:stretch>
+            <a:fillRect/>
+          </a:stretch>
+        </p:blipFill>
+        <p:spPr>
+          <a:xfrm>
+            <a:off x="913795" y="4376314"/>
+            <a:ext cx="4744112" cy="333422"/>
+          </a:xfrm>
+          <a:prstGeom prst="rect">
+            <a:avLst/>
+          </a:prstGeom>
+        </p:spPr>
+      </p:pic>
+      <p:pic>
+        <p:nvPicPr>
+          <p:cNvPr id="7" name="Imagem 6">
+            <a:extLst>
+              <a:ext uri="{FF2B5EF4-FFF2-40B4-BE49-F238E27FC236}">
+                <a16:creationId xmlns:a16="http://schemas.microsoft.com/office/drawing/2014/main" id="{4A2D5748-0167-4DC7-A076-527B97A3A36A}"/>
+              </a:ext>
+            </a:extLst>
+          </p:cNvPr>
+          <p:cNvPicPr>
+            <a:picLocks noChangeAspect="1"/>
+          </p:cNvPicPr>
+          <p:nvPr/>
+        </p:nvPicPr>
+        <p:blipFill>
+          <a:blip r:embed="rId5"/>
+          <a:stretch>
+            <a:fillRect/>
+          </a:stretch>
+        </p:blipFill>
+        <p:spPr>
+          <a:xfrm>
+            <a:off x="913795" y="5135055"/>
+            <a:ext cx="4686954" cy="285790"/>
+          </a:xfrm>
+          <a:prstGeom prst="rect">
+            <a:avLst/>
+          </a:prstGeom>
+        </p:spPr>
+      </p:pic>
+      <p:sp>
+        <p:nvSpPr>
+          <p:cNvPr id="8" name="CaixaDeTexto 7">
+            <a:extLst>
+              <a:ext uri="{FF2B5EF4-FFF2-40B4-BE49-F238E27FC236}">
+                <a16:creationId xmlns:a16="http://schemas.microsoft.com/office/drawing/2014/main" id="{3B260154-CF48-4AB4-8CD6-E56ED429C27C}"/>
+              </a:ext>
+            </a:extLst>
+          </p:cNvPr>
+          <p:cNvSpPr txBox="1"/>
+          <p:nvPr/>
+        </p:nvSpPr>
+        <p:spPr>
+          <a:xfrm>
+            <a:off x="7385422" y="3060733"/>
+            <a:ext cx="3500845" cy="1200329"/>
+          </a:xfrm>
+          <a:prstGeom prst="rect">
+            <a:avLst/>
+          </a:prstGeom>
+          <a:noFill/>
+        </p:spPr>
+        <p:txBody>
+          <a:bodyPr wrap="square" rtlCol="0">
+            <a:spAutoFit/>
+          </a:bodyPr>
+          <a:lstStyle/>
+          <a:p>
+            <a:r>
+              <a:rPr lang="pt-PT" dirty="0" err="1"/>
+              <a:t>Abstract</a:t>
+            </a:r>
+            <a:r>
+              <a:rPr lang="pt-PT" dirty="0"/>
+              <a:t> </a:t>
+            </a:r>
+            <a:r>
+              <a:rPr lang="pt-PT" dirty="0" err="1"/>
+              <a:t>class</a:t>
+            </a:r>
+            <a:r>
+              <a:rPr lang="pt-PT" dirty="0"/>
+              <a:t> </a:t>
+            </a:r>
+            <a:r>
+              <a:rPr lang="pt-PT" dirty="0" err="1"/>
+              <a:t>ClientEvaluator</a:t>
+            </a:r>
+            <a:r>
+              <a:rPr lang="pt-PT" dirty="0"/>
+              <a:t> </a:t>
+            </a:r>
+            <a:r>
+              <a:rPr lang="pt-PT" dirty="0" err="1"/>
+              <a:t>is</a:t>
+            </a:r>
+            <a:r>
+              <a:rPr lang="pt-PT" dirty="0"/>
+              <a:t> </a:t>
+            </a:r>
+            <a:r>
+              <a:rPr lang="pt-PT" dirty="0" err="1"/>
+              <a:t>implemented</a:t>
+            </a:r>
+            <a:r>
+              <a:rPr lang="pt-PT" dirty="0"/>
+              <a:t> </a:t>
+            </a:r>
+            <a:r>
+              <a:rPr lang="pt-PT" dirty="0" err="1"/>
+              <a:t>by</a:t>
+            </a:r>
+            <a:r>
+              <a:rPr lang="pt-PT" dirty="0"/>
+              <a:t> </a:t>
+            </a:r>
+            <a:r>
+              <a:rPr lang="pt-PT" dirty="0" err="1"/>
+              <a:t>the</a:t>
+            </a:r>
+            <a:r>
+              <a:rPr lang="pt-PT" dirty="0"/>
+              <a:t> 3 </a:t>
+            </a:r>
+            <a:r>
+              <a:rPr lang="pt-PT" dirty="0" err="1"/>
+              <a:t>different</a:t>
+            </a:r>
+            <a:r>
+              <a:rPr lang="pt-PT" dirty="0"/>
+              <a:t> </a:t>
+            </a:r>
+            <a:r>
+              <a:rPr lang="pt-PT" dirty="0" err="1"/>
+              <a:t>evaluators</a:t>
+            </a:r>
+            <a:r>
+              <a:rPr lang="pt-PT" dirty="0"/>
+              <a:t> </a:t>
+            </a:r>
+            <a:r>
+              <a:rPr lang="pt-PT" dirty="0" err="1"/>
+              <a:t>that</a:t>
+            </a:r>
+            <a:r>
+              <a:rPr lang="pt-PT" dirty="0"/>
+              <a:t> implemente </a:t>
+            </a:r>
+            <a:r>
+              <a:rPr lang="pt-PT" dirty="0" err="1"/>
+              <a:t>each</a:t>
+            </a:r>
+            <a:r>
+              <a:rPr lang="pt-PT" dirty="0"/>
+              <a:t> </a:t>
+            </a:r>
+            <a:r>
+              <a:rPr lang="pt-PT" dirty="0" err="1"/>
+              <a:t>strategy</a:t>
+            </a:r>
+            <a:r>
+              <a:rPr lang="pt-PT" dirty="0"/>
+              <a:t>.</a:t>
+            </a:r>
+            <a:endParaRPr lang="en-US" dirty="0"/>
+          </a:p>
+        </p:txBody>
+      </p:sp>
+    </p:spTree>
+    <p:extLst>
+      <p:ext uri="{BB962C8B-B14F-4D97-AF65-F5344CB8AC3E}">
+        <p14:creationId xmlns:p14="http://schemas.microsoft.com/office/powerpoint/2010/main" val="1602354197"/>
+      </p:ext>
+    </p:extLst>
+  </p:cSld>
+  <p:clrMapOvr>
+    <a:masterClrMapping/>
+  </p:clrMapOvr>
+</p:sld>
+</file>
+
+<file path=ppt/slides/slide14.xml><?xml version="1.0" encoding="utf-8"?>
+<p:sld xmlns:a="http://schemas.openxmlformats.org/drawingml/2006/main" xmlns:r="http://schemas.openxmlformats.org/officeDocument/2006/relationships" xmlns:p="http://schemas.openxmlformats.org/presentationml/2006/main">
+  <p:cSld>
+    <p:spTree>
+      <p:nvGrpSpPr>
+        <p:cNvPr id="1" name=""/>
+        <p:cNvGrpSpPr/>
+        <p:nvPr/>
+      </p:nvGrpSpPr>
+      <p:grpSpPr>
+        <a:xfrm>
+          <a:off x="0" y="0"/>
+          <a:ext cx="0" cy="0"/>
+          <a:chOff x="0" y="0"/>
+          <a:chExt cx="0" cy="0"/>
+        </a:xfrm>
+      </p:grpSpPr>
+      <p:sp>
+        <p:nvSpPr>
+          <p:cNvPr id="2" name="Título 1">
+            <a:extLst>
+              <a:ext uri="{FF2B5EF4-FFF2-40B4-BE49-F238E27FC236}">
+                <a16:creationId xmlns:a16="http://schemas.microsoft.com/office/drawing/2014/main" id="{99B7F0B3-A1C3-4905-A79A-0642930057FA}"/>
+              </a:ext>
+            </a:extLst>
+          </p:cNvPr>
+          <p:cNvSpPr>
+            <a:spLocks noGrp="1"/>
+          </p:cNvSpPr>
+          <p:nvPr>
+            <p:ph type="title"/>
+          </p:nvPr>
+        </p:nvSpPr>
+        <p:spPr/>
+        <p:txBody>
+          <a:bodyPr/>
+          <a:lstStyle/>
+          <a:p>
+            <a:endParaRPr lang="en-US"/>
+          </a:p>
+        </p:txBody>
+      </p:sp>
+      <p:sp>
+        <p:nvSpPr>
+          <p:cNvPr id="3" name="Marcador de Posição de Conteúdo 2">
+            <a:extLst>
+              <a:ext uri="{FF2B5EF4-FFF2-40B4-BE49-F238E27FC236}">
+                <a16:creationId xmlns:a16="http://schemas.microsoft.com/office/drawing/2014/main" id="{D799C61A-CF6A-434C-82B5-F4E2299C2142}"/>
+              </a:ext>
+            </a:extLst>
+          </p:cNvPr>
+          <p:cNvSpPr>
+            <a:spLocks noGrp="1"/>
+          </p:cNvSpPr>
+          <p:nvPr>
+            <p:ph idx="1"/>
+          </p:nvPr>
+        </p:nvSpPr>
+        <p:spPr/>
+        <p:txBody>
+          <a:bodyPr/>
+          <a:lstStyle/>
+          <a:p>
+            <a:r>
+              <a:rPr lang="pt-PT" dirty="0" err="1"/>
+              <a:t>Extends</a:t>
+            </a:r>
+            <a:r>
+              <a:rPr lang="pt-PT" dirty="0"/>
+              <a:t> </a:t>
+            </a:r>
+            <a:r>
+              <a:rPr lang="pt-PT" dirty="0" err="1"/>
+              <a:t>the</a:t>
+            </a:r>
+            <a:r>
+              <a:rPr lang="pt-PT" dirty="0"/>
+              <a:t> </a:t>
+            </a:r>
+            <a:r>
+              <a:rPr lang="pt-PT" dirty="0" err="1"/>
+              <a:t>ContractNetInitiator</a:t>
+            </a:r>
+            <a:r>
+              <a:rPr lang="pt-PT" dirty="0"/>
+              <a:t> </a:t>
+            </a:r>
+            <a:r>
+              <a:rPr lang="pt-PT" dirty="0" err="1"/>
+              <a:t>class</a:t>
+            </a:r>
+            <a:r>
+              <a:rPr lang="pt-PT" dirty="0"/>
+              <a:t>, </a:t>
+            </a:r>
+            <a:r>
+              <a:rPr lang="pt-PT" dirty="0" err="1"/>
+              <a:t>acting</a:t>
+            </a:r>
+            <a:r>
+              <a:rPr lang="pt-PT" dirty="0"/>
+              <a:t> as </a:t>
+            </a:r>
+            <a:r>
+              <a:rPr lang="pt-PT" dirty="0" err="1"/>
+              <a:t>the</a:t>
+            </a:r>
+            <a:r>
+              <a:rPr lang="pt-PT" dirty="0"/>
+              <a:t> </a:t>
+            </a:r>
+            <a:r>
+              <a:rPr lang="pt-PT" dirty="0" err="1"/>
+              <a:t>Initiator</a:t>
+            </a:r>
+            <a:r>
+              <a:rPr lang="pt-PT" dirty="0"/>
+              <a:t> in </a:t>
+            </a:r>
+            <a:r>
+              <a:rPr lang="pt-PT" dirty="0" err="1"/>
+              <a:t>the</a:t>
+            </a:r>
+            <a:r>
+              <a:rPr lang="pt-PT" dirty="0"/>
+              <a:t> FIPA </a:t>
+            </a:r>
+            <a:r>
+              <a:rPr lang="pt-PT" dirty="0" err="1"/>
+              <a:t>Contract</a:t>
+            </a:r>
+            <a:r>
+              <a:rPr lang="pt-PT" dirty="0"/>
+              <a:t> Net </a:t>
+            </a:r>
+            <a:r>
+              <a:rPr lang="pt-PT" dirty="0" err="1"/>
+              <a:t>protocol</a:t>
+            </a:r>
+            <a:endParaRPr lang="en-US" dirty="0"/>
+          </a:p>
+        </p:txBody>
+      </p:sp>
+      <p:pic>
+        <p:nvPicPr>
+          <p:cNvPr id="4" name="Imagem 3">
+            <a:extLst>
+              <a:ext uri="{FF2B5EF4-FFF2-40B4-BE49-F238E27FC236}">
+                <a16:creationId xmlns:a16="http://schemas.microsoft.com/office/drawing/2014/main" id="{3ECA5C50-70DD-483F-BAAD-B757930559A5}"/>
+              </a:ext>
+            </a:extLst>
+          </p:cNvPr>
+          <p:cNvPicPr>
+            <a:picLocks noChangeAspect="1"/>
+          </p:cNvPicPr>
+          <p:nvPr/>
+        </p:nvPicPr>
+        <p:blipFill>
+          <a:blip r:embed="rId2"/>
+          <a:stretch>
+            <a:fillRect/>
+          </a:stretch>
+        </p:blipFill>
+        <p:spPr>
+          <a:xfrm>
+            <a:off x="3228402" y="3095897"/>
+            <a:ext cx="5735195" cy="2179841"/>
+          </a:xfrm>
+          <a:prstGeom prst="rect">
+            <a:avLst/>
+          </a:prstGeom>
+        </p:spPr>
+      </p:pic>
+    </p:spTree>
+    <p:extLst>
+      <p:ext uri="{BB962C8B-B14F-4D97-AF65-F5344CB8AC3E}">
+        <p14:creationId xmlns:p14="http://schemas.microsoft.com/office/powerpoint/2010/main" val="2058898262"/>
+      </p:ext>
+    </p:extLst>
+  </p:cSld>
+  <p:clrMapOvr>
+    <a:masterClrMapping/>
+  </p:clrMapOvr>
+</p:sld>
+</file>
+
+<file path=ppt/slides/slide15.xml><?xml version="1.0" encoding="utf-8"?>
+<p:sld xmlns:a="http://schemas.openxmlformats.org/drawingml/2006/main" xmlns:r="http://schemas.openxmlformats.org/officeDocument/2006/relationships" xmlns:p="http://schemas.openxmlformats.org/presentationml/2006/main">
+  <p:cSld>
+    <p:spTree>
+      <p:nvGrpSpPr>
+        <p:cNvPr id="1" name=""/>
+        <p:cNvGrpSpPr/>
+        <p:nvPr/>
+      </p:nvGrpSpPr>
+      <p:grpSpPr>
+        <a:xfrm>
+          <a:off x="0" y="0"/>
+          <a:ext cx="0" cy="0"/>
+          <a:chOff x="0" y="0"/>
+          <a:chExt cx="0" cy="0"/>
+        </a:xfrm>
+      </p:grpSpPr>
+      <p:sp>
+        <p:nvSpPr>
+          <p:cNvPr id="2" name="Título 1">
+            <a:extLst>
+              <a:ext uri="{FF2B5EF4-FFF2-40B4-BE49-F238E27FC236}">
+                <a16:creationId xmlns:a16="http://schemas.microsoft.com/office/drawing/2014/main" id="{C8113238-E107-4B6B-A04B-F882FC5D4300}"/>
+              </a:ext>
+            </a:extLst>
+          </p:cNvPr>
+          <p:cNvSpPr>
+            <a:spLocks noGrp="1"/>
+          </p:cNvSpPr>
+          <p:nvPr>
+            <p:ph type="title"/>
+          </p:nvPr>
+        </p:nvSpPr>
+        <p:spPr/>
+        <p:txBody>
+          <a:bodyPr/>
+          <a:lstStyle/>
+          <a:p>
+            <a:endParaRPr lang="en-US"/>
+          </a:p>
+        </p:txBody>
+      </p:sp>
+      <p:sp>
+        <p:nvSpPr>
+          <p:cNvPr id="3" name="Marcador de Posição de Conteúdo 2">
+            <a:extLst>
+              <a:ext uri="{FF2B5EF4-FFF2-40B4-BE49-F238E27FC236}">
+                <a16:creationId xmlns:a16="http://schemas.microsoft.com/office/drawing/2014/main" id="{7CFAE062-F718-4855-B463-9C4258BEFE21}"/>
+              </a:ext>
+            </a:extLst>
+          </p:cNvPr>
+          <p:cNvSpPr>
+            <a:spLocks noGrp="1"/>
+          </p:cNvSpPr>
+          <p:nvPr>
+            <p:ph idx="1"/>
+          </p:nvPr>
+        </p:nvSpPr>
+        <p:spPr/>
+        <p:txBody>
+          <a:bodyPr/>
+          <a:lstStyle/>
+          <a:p>
+            <a:r>
+              <a:rPr lang="pt-PT" dirty="0" err="1"/>
+              <a:t>Extends</a:t>
+            </a:r>
+            <a:r>
+              <a:rPr lang="pt-PT" dirty="0"/>
+              <a:t> </a:t>
+            </a:r>
+            <a:r>
+              <a:rPr lang="pt-PT" dirty="0" err="1"/>
+              <a:t>the</a:t>
+            </a:r>
+            <a:r>
+              <a:rPr lang="pt-PT" dirty="0"/>
+              <a:t> </a:t>
+            </a:r>
+            <a:r>
+              <a:rPr lang="pt-PT" dirty="0" err="1"/>
+              <a:t>ContractNetResponder</a:t>
+            </a:r>
+            <a:r>
+              <a:rPr lang="pt-PT" dirty="0"/>
+              <a:t> </a:t>
+            </a:r>
+            <a:r>
+              <a:rPr lang="pt-PT" dirty="0" err="1"/>
+              <a:t>class</a:t>
+            </a:r>
+            <a:r>
+              <a:rPr lang="pt-PT" dirty="0"/>
+              <a:t>, </a:t>
+            </a:r>
+            <a:r>
+              <a:rPr lang="pt-PT" dirty="0" err="1"/>
+              <a:t>acting</a:t>
+            </a:r>
+            <a:r>
+              <a:rPr lang="pt-PT" dirty="0"/>
+              <a:t> as </a:t>
+            </a:r>
+            <a:r>
+              <a:rPr lang="pt-PT" dirty="0" err="1"/>
+              <a:t>the</a:t>
+            </a:r>
+            <a:r>
+              <a:rPr lang="pt-PT" dirty="0"/>
+              <a:t> Responder in </a:t>
+            </a:r>
+            <a:r>
+              <a:rPr lang="pt-PT" dirty="0" err="1"/>
+              <a:t>the</a:t>
+            </a:r>
+            <a:r>
+              <a:rPr lang="pt-PT" dirty="0"/>
+              <a:t> FIPA </a:t>
+            </a:r>
+            <a:r>
+              <a:rPr lang="pt-PT" dirty="0" err="1"/>
+              <a:t>Contract</a:t>
+            </a:r>
+            <a:r>
+              <a:rPr lang="pt-PT" dirty="0"/>
+              <a:t> Net </a:t>
+            </a:r>
+            <a:r>
+              <a:rPr lang="pt-PT" dirty="0" err="1"/>
+              <a:t>protocol</a:t>
+            </a:r>
+            <a:r>
+              <a:rPr lang="pt-PT" dirty="0"/>
+              <a:t>,</a:t>
+            </a:r>
+            <a:endParaRPr lang="en-US" dirty="0"/>
+          </a:p>
+        </p:txBody>
+      </p:sp>
+      <p:pic>
+        <p:nvPicPr>
+          <p:cNvPr id="4" name="Imagem 3">
+            <a:extLst>
+              <a:ext uri="{FF2B5EF4-FFF2-40B4-BE49-F238E27FC236}">
+                <a16:creationId xmlns:a16="http://schemas.microsoft.com/office/drawing/2014/main" id="{6481C29E-9B17-4AC7-A204-765284C693DC}"/>
+              </a:ext>
+            </a:extLst>
+          </p:cNvPr>
+          <p:cNvPicPr>
+            <a:picLocks noChangeAspect="1"/>
+          </p:cNvPicPr>
+          <p:nvPr/>
+        </p:nvPicPr>
+        <p:blipFill>
+          <a:blip r:embed="rId2"/>
+          <a:stretch>
+            <a:fillRect/>
+          </a:stretch>
+        </p:blipFill>
+        <p:spPr>
+          <a:xfrm>
+            <a:off x="3292928" y="2939143"/>
+            <a:ext cx="5606144" cy="2852057"/>
+          </a:xfrm>
+          <a:prstGeom prst="rect">
+            <a:avLst/>
+          </a:prstGeom>
+        </p:spPr>
+      </p:pic>
+    </p:spTree>
+    <p:extLst>
+      <p:ext uri="{BB962C8B-B14F-4D97-AF65-F5344CB8AC3E}">
+        <p14:creationId xmlns:p14="http://schemas.microsoft.com/office/powerpoint/2010/main" val="2524632499"/>
+      </p:ext>
+    </p:extLst>
+  </p:cSld>
+  <p:clrMapOvr>
+    <a:masterClrMapping/>
+  </p:clrMapOvr>
+</p:sld>
+</file>
+
+<file path=ppt/slides/slide16.xml><?xml version="1.0" encoding="utf-8"?>
+<p:sld xmlns:a="http://schemas.openxmlformats.org/drawingml/2006/main" xmlns:r="http://schemas.openxmlformats.org/officeDocument/2006/relationships" xmlns:p="http://schemas.openxmlformats.org/presentationml/2006/main">
+  <p:cSld>
+    <p:spTree>
+      <p:nvGrpSpPr>
+        <p:cNvPr id="1" name=""/>
+        <p:cNvGrpSpPr/>
+        <p:nvPr/>
+      </p:nvGrpSpPr>
+      <p:grpSpPr>
+        <a:xfrm>
+          <a:off x="0" y="0"/>
+          <a:ext cx="0" cy="0"/>
+          <a:chOff x="0" y="0"/>
+          <a:chExt cx="0" cy="0"/>
+        </a:xfrm>
+      </p:grpSpPr>
+      <p:sp>
+        <p:nvSpPr>
+          <p:cNvPr id="2" name="Título 1">
+            <a:extLst>
+              <a:ext uri="{FF2B5EF4-FFF2-40B4-BE49-F238E27FC236}">
+                <a16:creationId xmlns:a16="http://schemas.microsoft.com/office/drawing/2014/main" id="{33DAF828-0631-4912-B3EF-E88AA520A291}"/>
+              </a:ext>
+            </a:extLst>
+          </p:cNvPr>
+          <p:cNvSpPr>
+            <a:spLocks noGrp="1"/>
+          </p:cNvSpPr>
+          <p:nvPr>
+            <p:ph type="title"/>
+          </p:nvPr>
+        </p:nvSpPr>
+        <p:spPr/>
+        <p:txBody>
+          <a:bodyPr/>
+          <a:lstStyle/>
+          <a:p>
+            <a:endParaRPr lang="en-US"/>
+          </a:p>
+        </p:txBody>
+      </p:sp>
+      <p:sp>
+        <p:nvSpPr>
+          <p:cNvPr id="3" name="Marcador de Posição de Conteúdo 2">
+            <a:extLst>
+              <a:ext uri="{FF2B5EF4-FFF2-40B4-BE49-F238E27FC236}">
+                <a16:creationId xmlns:a16="http://schemas.microsoft.com/office/drawing/2014/main" id="{C035A789-B152-4974-B28D-6BD61C900394}"/>
+              </a:ext>
+            </a:extLst>
+          </p:cNvPr>
+          <p:cNvSpPr>
+            <a:spLocks noGrp="1"/>
+          </p:cNvSpPr>
+          <p:nvPr>
+            <p:ph idx="1"/>
+          </p:nvPr>
+        </p:nvSpPr>
+        <p:spPr/>
+        <p:txBody>
+          <a:bodyPr/>
+          <a:lstStyle/>
+          <a:p>
+            <a:endParaRPr lang="pt-PT" dirty="0"/>
+          </a:p>
+          <a:p>
+            <a:r>
+              <a:rPr lang="pt-PT" dirty="0" err="1"/>
+              <a:t>Encapsulates</a:t>
+            </a:r>
+            <a:r>
+              <a:rPr lang="pt-PT" dirty="0"/>
+              <a:t> </a:t>
+            </a:r>
+            <a:r>
+              <a:rPr lang="pt-PT" dirty="0" err="1"/>
+              <a:t>all</a:t>
+            </a:r>
+            <a:r>
+              <a:rPr lang="pt-PT" dirty="0"/>
+              <a:t> </a:t>
+            </a:r>
+            <a:r>
+              <a:rPr lang="pt-PT" dirty="0" err="1"/>
+              <a:t>the</a:t>
+            </a:r>
+            <a:r>
+              <a:rPr lang="pt-PT" dirty="0"/>
+              <a:t> </a:t>
+            </a:r>
+            <a:r>
+              <a:rPr lang="pt-PT" dirty="0" err="1"/>
+              <a:t>information</a:t>
+            </a:r>
+            <a:r>
+              <a:rPr lang="pt-PT" dirty="0"/>
+              <a:t> </a:t>
+            </a:r>
+            <a:r>
+              <a:rPr lang="pt-PT" dirty="0" err="1"/>
+              <a:t>needed</a:t>
+            </a:r>
+            <a:r>
+              <a:rPr lang="pt-PT" dirty="0"/>
+              <a:t> to </a:t>
+            </a:r>
+            <a:r>
+              <a:rPr lang="pt-PT" dirty="0" err="1"/>
+              <a:t>send</a:t>
+            </a:r>
+            <a:r>
+              <a:rPr lang="pt-PT" dirty="0"/>
+              <a:t> </a:t>
+            </a:r>
+            <a:r>
+              <a:rPr lang="pt-PT" dirty="0" err="1"/>
+              <a:t>the</a:t>
+            </a:r>
+            <a:r>
+              <a:rPr lang="pt-PT" dirty="0"/>
+              <a:t> </a:t>
+            </a:r>
+            <a:r>
+              <a:rPr lang="pt-PT" dirty="0" err="1"/>
+              <a:t>respective</a:t>
+            </a:r>
+            <a:r>
+              <a:rPr lang="pt-PT" dirty="0"/>
+              <a:t> </a:t>
+            </a:r>
+            <a:r>
+              <a:rPr lang="pt-PT" dirty="0" err="1"/>
+              <a:t>proposals</a:t>
+            </a:r>
+            <a:r>
+              <a:rPr lang="pt-PT" dirty="0"/>
+              <a:t> </a:t>
+            </a:r>
+            <a:endParaRPr lang="en-US" dirty="0"/>
+          </a:p>
+        </p:txBody>
+      </p:sp>
+      <p:pic>
+        <p:nvPicPr>
+          <p:cNvPr id="4" name="Imagem 3">
+            <a:extLst>
+              <a:ext uri="{FF2B5EF4-FFF2-40B4-BE49-F238E27FC236}">
+                <a16:creationId xmlns:a16="http://schemas.microsoft.com/office/drawing/2014/main" id="{38FE451F-2573-4382-A324-00A10E5E1197}"/>
+              </a:ext>
+            </a:extLst>
+          </p:cNvPr>
+          <p:cNvPicPr>
+            <a:picLocks noChangeAspect="1"/>
+          </p:cNvPicPr>
+          <p:nvPr/>
+        </p:nvPicPr>
+        <p:blipFill>
+          <a:blip r:embed="rId2"/>
+          <a:stretch>
+            <a:fillRect/>
+          </a:stretch>
+        </p:blipFill>
+        <p:spPr>
+          <a:xfrm>
+            <a:off x="463798" y="3801291"/>
+            <a:ext cx="5626878" cy="1353583"/>
+          </a:xfrm>
+          <a:prstGeom prst="rect">
+            <a:avLst/>
+          </a:prstGeom>
+        </p:spPr>
+      </p:pic>
+      <p:pic>
+        <p:nvPicPr>
+          <p:cNvPr id="5" name="Imagem 4">
+            <a:extLst>
+              <a:ext uri="{FF2B5EF4-FFF2-40B4-BE49-F238E27FC236}">
+                <a16:creationId xmlns:a16="http://schemas.microsoft.com/office/drawing/2014/main" id="{CD8CF4F7-75D4-4E41-8DF4-245E594857DA}"/>
+              </a:ext>
+            </a:extLst>
+          </p:cNvPr>
+          <p:cNvPicPr>
+            <a:picLocks noChangeAspect="1"/>
+          </p:cNvPicPr>
+          <p:nvPr/>
+        </p:nvPicPr>
+        <p:blipFill>
+          <a:blip r:embed="rId3"/>
+          <a:stretch>
+            <a:fillRect/>
+          </a:stretch>
+        </p:blipFill>
+        <p:spPr>
+          <a:xfrm>
+            <a:off x="6234693" y="3801292"/>
+            <a:ext cx="5358485" cy="1435504"/>
+          </a:xfrm>
+          <a:prstGeom prst="rect">
+            <a:avLst/>
+          </a:prstGeom>
+        </p:spPr>
+      </p:pic>
+    </p:spTree>
+    <p:extLst>
+      <p:ext uri="{BB962C8B-B14F-4D97-AF65-F5344CB8AC3E}">
+        <p14:creationId xmlns:p14="http://schemas.microsoft.com/office/powerpoint/2010/main" val="380209758"/>
+      </p:ext>
+    </p:extLst>
+  </p:cSld>
+  <p:clrMapOvr>
+    <a:masterClrMapping/>
+  </p:clrMapOvr>
+</p:sld>
+</file>
+
+<file path=ppt/slides/slide17.xml><?xml version="1.0" encoding="utf-8"?>
+<p:sld xmlns:a="http://schemas.openxmlformats.org/drawingml/2006/main" xmlns:r="http://schemas.openxmlformats.org/officeDocument/2006/relationships" xmlns:p="http://schemas.openxmlformats.org/presentationml/2006/main">
+  <p:cSld>
+    <p:spTree>
+      <p:nvGrpSpPr>
+        <p:cNvPr id="1" name=""/>
+        <p:cNvGrpSpPr/>
+        <p:nvPr/>
+      </p:nvGrpSpPr>
+      <p:grpSpPr>
+        <a:xfrm>
+          <a:off x="0" y="0"/>
+          <a:ext cx="0" cy="0"/>
+          <a:chOff x="0" y="0"/>
+          <a:chExt cx="0" cy="0"/>
+        </a:xfrm>
+      </p:grpSpPr>
+      <p:sp>
+        <p:nvSpPr>
+          <p:cNvPr id="2" name="Título 1">
+            <a:extLst>
+              <a:ext uri="{FF2B5EF4-FFF2-40B4-BE49-F238E27FC236}">
                 <a16:creationId xmlns:a16="http://schemas.microsoft.com/office/drawing/2014/main" id="{A74F0A3D-3088-44BA-A24C-4524D338DAA5}"/>
               </a:ext>
             </a:extLst>
@@ -6322,74 +7386,22 @@
             <p:ph type="title"/>
           </p:nvPr>
         </p:nvSpPr>
-        <p:spPr/>
+        <p:spPr>
+          <a:xfrm>
+            <a:off x="919119" y="2943775"/>
+            <a:ext cx="10353762" cy="970450"/>
+          </a:xfrm>
+        </p:spPr>
         <p:txBody>
           <a:bodyPr>
-            <a:normAutofit fontScale="90000"/>
+            <a:normAutofit/>
           </a:bodyPr>
           <a:lstStyle/>
           <a:p>
             <a:r>
               <a:rPr lang="en-US" dirty="0"/>
-              <a:t>Execution example (</a:t>
-            </a:r>
-            <a:r>
-              <a:rPr lang="en-US" dirty="0" err="1"/>
-              <a:t>possivelmente</a:t>
-            </a:r>
-            <a:r>
-              <a:rPr lang="en-US" dirty="0"/>
-              <a:t> Podemos meter </a:t>
-            </a:r>
-            <a:r>
-              <a:rPr lang="en-US" dirty="0" err="1"/>
-              <a:t>este</a:t>
-            </a:r>
-            <a:r>
-              <a:rPr lang="en-US" dirty="0"/>
-              <a:t> slide </a:t>
-            </a:r>
-            <a:r>
-              <a:rPr lang="en-US" dirty="0" err="1"/>
-              <a:t>na</a:t>
-            </a:r>
-            <a:r>
-              <a:rPr lang="en-US" dirty="0"/>
-              <a:t> </a:t>
-            </a:r>
-            <a:r>
-              <a:rPr lang="en-US" dirty="0" err="1"/>
-              <a:t>apresentacao</a:t>
-            </a:r>
-            <a:r>
-              <a:rPr lang="en-US" dirty="0"/>
-              <a:t>) </a:t>
-            </a:r>
-          </a:p>
-        </p:txBody>
-      </p:sp>
-      <p:sp>
-        <p:nvSpPr>
-          <p:cNvPr id="3" name="Marcador de Posição de Conteúdo 2">
-            <a:extLst>
-              <a:ext uri="{FF2B5EF4-FFF2-40B4-BE49-F238E27FC236}">
-                <a16:creationId xmlns:a16="http://schemas.microsoft.com/office/drawing/2014/main" id="{928889C7-6F0E-4667-83F1-57F318785443}"/>
-              </a:ext>
-            </a:extLst>
-          </p:cNvPr>
-          <p:cNvSpPr>
-            <a:spLocks noGrp="1"/>
-          </p:cNvSpPr>
-          <p:nvPr>
-            <p:ph idx="1"/>
-          </p:nvPr>
-        </p:nvSpPr>
-        <p:spPr/>
-        <p:txBody>
-          <a:bodyPr/>
-          <a:lstStyle/>
-          <a:p>
-            <a:endParaRPr lang="en-US" dirty="0"/>
+              <a:t>Execution example</a:t>
+            </a:r>
           </a:p>
         </p:txBody>
       </p:sp>
@@ -6397,6 +7409,116 @@
     <p:extLst>
       <p:ext uri="{BB962C8B-B14F-4D97-AF65-F5344CB8AC3E}">
         <p14:creationId xmlns:p14="http://schemas.microsoft.com/office/powerpoint/2010/main" val="1386887901"/>
+      </p:ext>
+    </p:extLst>
+  </p:cSld>
+  <p:clrMapOvr>
+    <a:masterClrMapping/>
+  </p:clrMapOvr>
+</p:sld>
+</file>
+
+<file path=ppt/slides/slide18.xml><?xml version="1.0" encoding="utf-8"?>
+<p:sld xmlns:a="http://schemas.openxmlformats.org/drawingml/2006/main" xmlns:r="http://schemas.openxmlformats.org/officeDocument/2006/relationships" xmlns:p="http://schemas.openxmlformats.org/presentationml/2006/main">
+  <p:cSld>
+    <p:spTree>
+      <p:nvGrpSpPr>
+        <p:cNvPr id="1" name=""/>
+        <p:cNvGrpSpPr/>
+        <p:nvPr/>
+      </p:nvGrpSpPr>
+      <p:grpSpPr>
+        <a:xfrm>
+          <a:off x="0" y="0"/>
+          <a:ext cx="0" cy="0"/>
+          <a:chOff x="0" y="0"/>
+          <a:chExt cx="0" cy="0"/>
+        </a:xfrm>
+      </p:grpSpPr>
+      <p:sp>
+        <p:nvSpPr>
+          <p:cNvPr id="2" name="Título 1">
+            <a:extLst>
+              <a:ext uri="{FF2B5EF4-FFF2-40B4-BE49-F238E27FC236}">
+                <a16:creationId xmlns:a16="http://schemas.microsoft.com/office/drawing/2014/main" id="{6E489AF1-6092-496E-8F66-AB74AF1EF1B1}"/>
+              </a:ext>
+            </a:extLst>
+          </p:cNvPr>
+          <p:cNvSpPr>
+            <a:spLocks noGrp="1"/>
+          </p:cNvSpPr>
+          <p:nvPr>
+            <p:ph type="title"/>
+          </p:nvPr>
+        </p:nvSpPr>
+        <p:spPr/>
+        <p:txBody>
+          <a:bodyPr/>
+          <a:lstStyle/>
+          <a:p>
+            <a:endParaRPr lang="en-US"/>
+          </a:p>
+        </p:txBody>
+      </p:sp>
+      <p:sp>
+        <p:nvSpPr>
+          <p:cNvPr id="3" name="Marcador de Posição de Conteúdo 2">
+            <a:extLst>
+              <a:ext uri="{FF2B5EF4-FFF2-40B4-BE49-F238E27FC236}">
+                <a16:creationId xmlns:a16="http://schemas.microsoft.com/office/drawing/2014/main" id="{79467E7C-8B87-4DE2-AF6C-0FC93DD4BA00}"/>
+              </a:ext>
+            </a:extLst>
+          </p:cNvPr>
+          <p:cNvSpPr>
+            <a:spLocks noGrp="1"/>
+          </p:cNvSpPr>
+          <p:nvPr>
+            <p:ph idx="1"/>
+          </p:nvPr>
+        </p:nvSpPr>
+        <p:spPr/>
+        <p:txBody>
+          <a:bodyPr/>
+          <a:lstStyle/>
+          <a:p>
+            <a:endParaRPr lang="en-US"/>
+          </a:p>
+        </p:txBody>
+      </p:sp>
+      <p:pic>
+        <p:nvPicPr>
+          <p:cNvPr id="4" name="Imagem 3">
+            <a:extLst>
+              <a:ext uri="{FF2B5EF4-FFF2-40B4-BE49-F238E27FC236}">
+                <a16:creationId xmlns:a16="http://schemas.microsoft.com/office/drawing/2014/main" id="{C994AC27-1CDD-4652-ABBE-36CAC63F36C5}"/>
+              </a:ext>
+            </a:extLst>
+          </p:cNvPr>
+          <p:cNvPicPr>
+            <a:picLocks noChangeAspect="1"/>
+          </p:cNvPicPr>
+          <p:nvPr/>
+        </p:nvPicPr>
+        <p:blipFill>
+          <a:blip r:embed="rId2"/>
+          <a:stretch>
+            <a:fillRect/>
+          </a:stretch>
+        </p:blipFill>
+        <p:spPr>
+          <a:xfrm>
+            <a:off x="294018" y="0"/>
+            <a:ext cx="11342707" cy="6858000"/>
+          </a:xfrm>
+          <a:prstGeom prst="rect">
+            <a:avLst/>
+          </a:prstGeom>
+        </p:spPr>
+      </p:pic>
+    </p:spTree>
+    <p:extLst>
+      <p:ext uri="{BB962C8B-B14F-4D97-AF65-F5344CB8AC3E}">
+        <p14:creationId xmlns:p14="http://schemas.microsoft.com/office/powerpoint/2010/main" val="3478799944"/>
       </p:ext>
     </p:extLst>
   </p:cSld>
@@ -6476,6 +7598,12 @@
           <a:bodyPr/>
           <a:lstStyle/>
           <a:p>
+            <a:endParaRPr lang="pt-PT" dirty="0"/>
+          </a:p>
+          <a:p>
+            <a:endParaRPr lang="pt-PT" dirty="0"/>
+          </a:p>
+          <a:p>
             <a:r>
               <a:rPr lang="pt-PT" dirty="0" err="1"/>
               <a:t>This</a:t>
@@ -6820,6 +7948,27 @@
               <a:rPr lang="pt-PT" dirty="0"/>
               <a:t>.</a:t>
             </a:r>
+          </a:p>
+          <a:p>
+            <a:endParaRPr lang="en-US" dirty="0"/>
+          </a:p>
+          <a:p>
+            <a:r>
+              <a:rPr lang="en-US" dirty="0"/>
+              <a:t>Independent variables: Deliverer speed, deliverer cost per distance unit, deliverer fuel.</a:t>
+            </a:r>
+          </a:p>
+          <a:p>
+            <a:r>
+              <a:rPr lang="en-US" dirty="0"/>
+              <a:t>Dependent variables: Delivery time, delivery cost.</a:t>
+            </a:r>
+          </a:p>
+          <a:p>
+            <a:pPr marL="36900" indent="0">
+              <a:buNone/>
+            </a:pPr>
+            <a:endParaRPr lang="pt-PT" dirty="0"/>
           </a:p>
         </p:txBody>
       </p:sp>
@@ -6837,104 +7986,6 @@
 </file>
 
 <file path=ppt/slides/slide3.xml><?xml version="1.0" encoding="utf-8"?>
-<p:sld xmlns:a="http://schemas.openxmlformats.org/drawingml/2006/main" xmlns:r="http://schemas.openxmlformats.org/officeDocument/2006/relationships" xmlns:p="http://schemas.openxmlformats.org/presentationml/2006/main">
-  <p:cSld>
-    <p:spTree>
-      <p:nvGrpSpPr>
-        <p:cNvPr id="1" name=""/>
-        <p:cNvGrpSpPr/>
-        <p:nvPr/>
-      </p:nvGrpSpPr>
-      <p:grpSpPr>
-        <a:xfrm>
-          <a:off x="0" y="0"/>
-          <a:ext cx="0" cy="0"/>
-          <a:chOff x="0" y="0"/>
-          <a:chExt cx="0" cy="0"/>
-        </a:xfrm>
-      </p:grpSpPr>
-      <p:sp>
-        <p:nvSpPr>
-          <p:cNvPr id="2" name="Título 1">
-            <a:extLst>
-              <a:ext uri="{FF2B5EF4-FFF2-40B4-BE49-F238E27FC236}">
-                <a16:creationId xmlns:a16="http://schemas.microsoft.com/office/drawing/2014/main" id="{69244E7F-F0E6-4577-A4BA-A8F95BD1F636}"/>
-              </a:ext>
-            </a:extLst>
-          </p:cNvPr>
-          <p:cNvSpPr>
-            <a:spLocks noGrp="1"/>
-          </p:cNvSpPr>
-          <p:nvPr>
-            <p:ph type="title"/>
-          </p:nvPr>
-        </p:nvSpPr>
-        <p:spPr/>
-        <p:txBody>
-          <a:bodyPr/>
-          <a:lstStyle/>
-          <a:p>
-            <a:r>
-              <a:rPr lang="en-US" dirty="0"/>
-              <a:t>Variables</a:t>
-            </a:r>
-          </a:p>
-        </p:txBody>
-      </p:sp>
-      <p:sp>
-        <p:nvSpPr>
-          <p:cNvPr id="3" name="Marcador de Posição de Conteúdo 2">
-            <a:extLst>
-              <a:ext uri="{FF2B5EF4-FFF2-40B4-BE49-F238E27FC236}">
-                <a16:creationId xmlns:a16="http://schemas.microsoft.com/office/drawing/2014/main" id="{04B2BD6F-D02C-4D31-A194-35985DF24858}"/>
-              </a:ext>
-            </a:extLst>
-          </p:cNvPr>
-          <p:cNvSpPr>
-            <a:spLocks noGrp="1"/>
-          </p:cNvSpPr>
-          <p:nvPr>
-            <p:ph idx="1"/>
-          </p:nvPr>
-        </p:nvSpPr>
-        <p:spPr/>
-        <p:txBody>
-          <a:bodyPr/>
-          <a:lstStyle/>
-          <a:p>
-            <a:endParaRPr lang="en-US" dirty="0"/>
-          </a:p>
-          <a:p>
-            <a:endParaRPr lang="en-US" dirty="0"/>
-          </a:p>
-          <a:p>
-            <a:r>
-              <a:rPr lang="en-US" dirty="0"/>
-              <a:t>Independent variables: Deliverer speed, deliverer cost per distance unit, deliverer fuel.</a:t>
-            </a:r>
-          </a:p>
-          <a:p>
-            <a:r>
-              <a:rPr lang="en-US" dirty="0"/>
-              <a:t>Dependent variables: Delivery time, delivery cost.</a:t>
-            </a:r>
-          </a:p>
-        </p:txBody>
-      </p:sp>
-    </p:spTree>
-    <p:extLst>
-      <p:ext uri="{BB962C8B-B14F-4D97-AF65-F5344CB8AC3E}">
-        <p14:creationId xmlns:p14="http://schemas.microsoft.com/office/powerpoint/2010/main" val="2126112840"/>
-      </p:ext>
-    </p:extLst>
-  </p:cSld>
-  <p:clrMapOvr>
-    <a:masterClrMapping/>
-  </p:clrMapOvr>
-</p:sld>
-</file>
-
-<file path=ppt/slides/slide4.xml><?xml version="1.0" encoding="utf-8"?>
 <p:sld xmlns:a="http://schemas.openxmlformats.org/drawingml/2006/main" xmlns:r="http://schemas.openxmlformats.org/officeDocument/2006/relationships" xmlns:p="http://schemas.openxmlformats.org/presentationml/2006/main">
   <p:cSld>
     <p:spTree>
@@ -7130,6 +8181,134 @@
 </p:sld>
 </file>
 
+<file path=ppt/slides/slide4.xml><?xml version="1.0" encoding="utf-8"?>
+<p:sld xmlns:a="http://schemas.openxmlformats.org/drawingml/2006/main" xmlns:r="http://schemas.openxmlformats.org/officeDocument/2006/relationships" xmlns:p="http://schemas.openxmlformats.org/presentationml/2006/main">
+  <p:cSld>
+    <p:spTree>
+      <p:nvGrpSpPr>
+        <p:cNvPr id="1" name=""/>
+        <p:cNvGrpSpPr/>
+        <p:nvPr/>
+      </p:nvGrpSpPr>
+      <p:grpSpPr>
+        <a:xfrm>
+          <a:off x="0" y="0"/>
+          <a:ext cx="0" cy="0"/>
+          <a:chOff x="0" y="0"/>
+          <a:chExt cx="0" cy="0"/>
+        </a:xfrm>
+      </p:grpSpPr>
+      <p:sp>
+        <p:nvSpPr>
+          <p:cNvPr id="2" name="Título 1">
+            <a:extLst>
+              <a:ext uri="{FF2B5EF4-FFF2-40B4-BE49-F238E27FC236}">
+                <a16:creationId xmlns:a16="http://schemas.microsoft.com/office/drawing/2014/main" id="{D7127988-9B29-43C4-8E1D-69A8FB733F6A}"/>
+              </a:ext>
+            </a:extLst>
+          </p:cNvPr>
+          <p:cNvSpPr>
+            <a:spLocks noGrp="1"/>
+          </p:cNvSpPr>
+          <p:nvPr>
+            <p:ph type="title"/>
+          </p:nvPr>
+        </p:nvSpPr>
+        <p:spPr/>
+        <p:txBody>
+          <a:bodyPr/>
+          <a:lstStyle/>
+          <a:p>
+            <a:r>
+              <a:rPr lang="en-US" dirty="0"/>
+              <a:t>Agents</a:t>
+            </a:r>
+          </a:p>
+        </p:txBody>
+      </p:sp>
+      <p:sp>
+        <p:nvSpPr>
+          <p:cNvPr id="3" name="Marcador de Posição de Conteúdo 2">
+            <a:extLst>
+              <a:ext uri="{FF2B5EF4-FFF2-40B4-BE49-F238E27FC236}">
+                <a16:creationId xmlns:a16="http://schemas.microsoft.com/office/drawing/2014/main" id="{595FD241-AF9E-4E28-A46A-63792EBF56C5}"/>
+              </a:ext>
+            </a:extLst>
+          </p:cNvPr>
+          <p:cNvSpPr>
+            <a:spLocks noGrp="1"/>
+          </p:cNvSpPr>
+          <p:nvPr>
+            <p:ph idx="1"/>
+          </p:nvPr>
+        </p:nvSpPr>
+        <p:spPr/>
+        <p:txBody>
+          <a:bodyPr/>
+          <a:lstStyle/>
+          <a:p>
+            <a:r>
+              <a:rPr lang="en-US" dirty="0"/>
+              <a:t>There are 2 types of agents in the system.</a:t>
+            </a:r>
+          </a:p>
+          <a:p>
+            <a:pPr lvl="1"/>
+            <a:r>
+              <a:rPr lang="en-US" sz="2000" dirty="0"/>
+              <a:t>Client Agents: </a:t>
+            </a:r>
+          </a:p>
+          <a:p>
+            <a:pPr lvl="2"/>
+            <a:r>
+              <a:rPr lang="en-US" sz="2000" dirty="0"/>
+              <a:t>Creates a request for a pickup order at a restaurant of their choosing.</a:t>
+            </a:r>
+          </a:p>
+          <a:p>
+            <a:pPr lvl="2"/>
+            <a:r>
+              <a:rPr lang="en-US" sz="2000" dirty="0"/>
+              <a:t>Accept or reject a proposal from a delivery agent</a:t>
+            </a:r>
+          </a:p>
+          <a:p>
+            <a:pPr lvl="1"/>
+            <a:r>
+              <a:rPr lang="en-US" sz="2000" dirty="0"/>
+              <a:t>Deliver Agents:</a:t>
+            </a:r>
+          </a:p>
+          <a:p>
+            <a:pPr lvl="2"/>
+            <a:r>
+              <a:rPr lang="en-US" sz="2000" dirty="0"/>
+              <a:t>Receive Requests and calculate offer cost</a:t>
+            </a:r>
+          </a:p>
+          <a:p>
+            <a:pPr lvl="2"/>
+            <a:r>
+              <a:rPr lang="en-US" sz="2000" dirty="0"/>
+              <a:t>Perform the delivery at the cost of fuel and time.</a:t>
+            </a:r>
+          </a:p>
+        </p:txBody>
+      </p:sp>
+    </p:spTree>
+    <p:extLst>
+      <p:ext uri="{BB962C8B-B14F-4D97-AF65-F5344CB8AC3E}">
+        <p14:creationId xmlns:p14="http://schemas.microsoft.com/office/powerpoint/2010/main" val="429455231"/>
+      </p:ext>
+    </p:extLst>
+  </p:cSld>
+  <p:clrMapOvr>
+    <a:masterClrMapping/>
+  </p:clrMapOvr>
+</p:sld>
+</file>
+
 <file path=ppt/slides/slide5.xml><?xml version="1.0" encoding="utf-8"?>
 <p:sld xmlns:a="http://schemas.openxmlformats.org/drawingml/2006/main" xmlns:r="http://schemas.openxmlformats.org/officeDocument/2006/relationships" xmlns:p="http://schemas.openxmlformats.org/presentationml/2006/main">
   <p:cSld>
@@ -7152,7 +8331,7 @@
           <p:cNvPr id="2" name="Título 1">
             <a:extLst>
               <a:ext uri="{FF2B5EF4-FFF2-40B4-BE49-F238E27FC236}">
-                <a16:creationId xmlns:a16="http://schemas.microsoft.com/office/drawing/2014/main" id="{D7127988-9B29-43C4-8E1D-69A8FB733F6A}"/>
+                <a16:creationId xmlns:a16="http://schemas.microsoft.com/office/drawing/2014/main" id="{88AEC832-41B1-4EC0-8F45-380FECE96D8C}"/>
               </a:ext>
             </a:extLst>
           </p:cNvPr>
@@ -7170,7 +8349,7 @@
           <a:p>
             <a:r>
               <a:rPr lang="en-US" dirty="0"/>
-              <a:t>Agent Creation </a:t>
+              <a:t>Strategies</a:t>
             </a:r>
           </a:p>
         </p:txBody>
@@ -7180,7 +8359,7 @@
           <p:cNvPr id="3" name="Marcador de Posição de Conteúdo 2">
             <a:extLst>
               <a:ext uri="{FF2B5EF4-FFF2-40B4-BE49-F238E27FC236}">
-                <a16:creationId xmlns:a16="http://schemas.microsoft.com/office/drawing/2014/main" id="{595FD241-AF9E-4E28-A46A-63792EBF56C5}"/>
+                <a16:creationId xmlns:a16="http://schemas.microsoft.com/office/drawing/2014/main" id="{61B81F16-92EE-4A2B-B5D7-8A5E79CBFA5E}"/>
               </a:ext>
             </a:extLst>
           </p:cNvPr>
@@ -7193,54 +8372,41 @@
         </p:nvSpPr>
         <p:spPr/>
         <p:txBody>
-          <a:bodyPr/>
+          <a:bodyPr>
+            <a:normAutofit/>
+          </a:bodyPr>
           <a:lstStyle/>
           <a:p>
             <a:r>
               <a:rPr lang="en-US" dirty="0"/>
-              <a:t>There are 2 types of agents in the system.</a:t>
+              <a:t>We decided to implement 3 types of client strategies evaluating the proposals in a different manner considering their preferences.</a:t>
+            </a:r>
+          </a:p>
+          <a:p>
+            <a:r>
+              <a:rPr lang="en-US" dirty="0"/>
+              <a:t>The 3 client types are:</a:t>
             </a:r>
           </a:p>
           <a:p>
             <a:pPr lvl="1"/>
             <a:r>
               <a:rPr lang="en-US" sz="2000" dirty="0"/>
-              <a:t>Client Agents: </a:t>
-            </a:r>
-          </a:p>
-          <a:p>
-            <a:pPr lvl="2"/>
+              <a:t>Cost focused:  attributes all proposal value to the cost of the delivery, disregarding delivery time.</a:t>
+            </a:r>
+          </a:p>
+          <a:p>
+            <a:pPr lvl="1"/>
             <a:r>
               <a:rPr lang="en-US" sz="2000" dirty="0"/>
-              <a:t>Creates a request for a pickup order at a restaurant of their choosing.</a:t>
-            </a:r>
-          </a:p>
-          <a:p>
-            <a:pPr lvl="2"/>
+              <a:t>Time focused:  attributes all proposal value to the time that it takes to conclude the delivery, disregarding delivery cost.</a:t>
+            </a:r>
+          </a:p>
+          <a:p>
+            <a:pPr lvl="1"/>
             <a:r>
               <a:rPr lang="en-US" sz="2000" dirty="0"/>
-              <a:t>Accept or reject a proposal from a delivery agent</a:t>
-            </a:r>
-          </a:p>
-          <a:p>
-            <a:pPr lvl="1"/>
-            <a:r>
-              <a:rPr lang="en-US" sz="2000" dirty="0"/>
-              <a:t>Deliver Agents:</a:t>
-            </a:r>
-          </a:p>
-          <a:p>
-            <a:pPr lvl="2"/>
-            <a:r>
-              <a:rPr lang="en-US" sz="2000" dirty="0"/>
-              <a:t>Receive Requests and calculate offer cost</a:t>
-            </a:r>
-          </a:p>
-          <a:p>
-            <a:pPr lvl="2"/>
-            <a:r>
-              <a:rPr lang="en-US" sz="2000" dirty="0"/>
-              <a:t>Perform the delivery at the cost of fuel and time.</a:t>
+              <a:t>Balanced: Attributes similar value to both parameters.</a:t>
             </a:r>
           </a:p>
         </p:txBody>
@@ -7248,7 +8414,7 @@
     </p:spTree>
     <p:extLst>
       <p:ext uri="{BB962C8B-B14F-4D97-AF65-F5344CB8AC3E}">
-        <p14:creationId xmlns:p14="http://schemas.microsoft.com/office/powerpoint/2010/main" val="429455231"/>
+        <p14:creationId xmlns:p14="http://schemas.microsoft.com/office/powerpoint/2010/main" val="2024757831"/>
       </p:ext>
     </p:extLst>
   </p:cSld>
@@ -7280,7 +8446,7 @@
           <p:cNvPr id="2" name="Título 1">
             <a:extLst>
               <a:ext uri="{FF2B5EF4-FFF2-40B4-BE49-F238E27FC236}">
-                <a16:creationId xmlns:a16="http://schemas.microsoft.com/office/drawing/2014/main" id="{88AEC832-41B1-4EC0-8F45-380FECE96D8C}"/>
+                <a16:creationId xmlns:a16="http://schemas.microsoft.com/office/drawing/2014/main" id="{95AD379B-6526-4327-B24D-4CA9DE157E30}"/>
               </a:ext>
             </a:extLst>
           </p:cNvPr>
@@ -7298,7 +8464,7 @@
           <a:p>
             <a:r>
               <a:rPr lang="en-US" dirty="0"/>
-              <a:t>Strategies</a:t>
+              <a:t>Experiments </a:t>
             </a:r>
           </a:p>
         </p:txBody>
@@ -7308,7 +8474,7 @@
           <p:cNvPr id="3" name="Marcador de Posição de Conteúdo 2">
             <a:extLst>
               <a:ext uri="{FF2B5EF4-FFF2-40B4-BE49-F238E27FC236}">
-                <a16:creationId xmlns:a16="http://schemas.microsoft.com/office/drawing/2014/main" id="{61B81F16-92EE-4A2B-B5D7-8A5E79CBFA5E}"/>
+                <a16:creationId xmlns:a16="http://schemas.microsoft.com/office/drawing/2014/main" id="{D2F13CF7-03A5-474B-8A4B-88531E2402F6}"/>
               </a:ext>
             </a:extLst>
           </p:cNvPr>
@@ -7319,51 +8485,104 @@
             <p:ph idx="1"/>
           </p:nvPr>
         </p:nvSpPr>
-        <p:spPr/>
+        <p:spPr>
+          <a:xfrm>
+            <a:off x="913795" y="1732449"/>
+            <a:ext cx="10353762" cy="4668351"/>
+          </a:xfrm>
+        </p:spPr>
         <p:txBody>
           <a:bodyPr>
-            <a:normAutofit/>
+            <a:normAutofit fontScale="92500" lnSpcReduction="10000"/>
           </a:bodyPr>
           <a:lstStyle/>
           <a:p>
             <a:r>
               <a:rPr lang="en-US" dirty="0"/>
-              <a:t>We decided to implement 3 types of client strategies evaluating the proposals in a different manner considering their preferences.</a:t>
-            </a:r>
+              <a:t>During the development of the project several experiments were made with different number of clients and deliver agents, as well as their parameters. </a:t>
+            </a:r>
+          </a:p>
+          <a:p>
+            <a:endParaRPr lang="en-US" dirty="0"/>
           </a:p>
           <a:p>
             <a:r>
               <a:rPr lang="en-US" dirty="0"/>
-              <a:t>The 3 client types are:</a:t>
+              <a:t>Client and delivery agent parameters were also changed.</a:t>
+            </a:r>
+          </a:p>
+          <a:p>
+            <a:r>
+              <a:rPr lang="en-US" dirty="0"/>
+              <a:t>Client Agent parameters changed:</a:t>
             </a:r>
           </a:p>
           <a:p>
             <a:pPr lvl="1"/>
             <a:r>
-              <a:rPr lang="en-US" sz="2000" dirty="0"/>
-              <a:t>Cost focused:  attributes all proposal value to the cost of the delivery, disregarding delivery time.</a:t>
+              <a:rPr lang="en-US" dirty="0"/>
+              <a:t>Position</a:t>
             </a:r>
           </a:p>
           <a:p>
             <a:pPr lvl="1"/>
             <a:r>
-              <a:rPr lang="en-US" sz="2000" dirty="0"/>
-              <a:t>Time focused:  attributes all proposal value to the time that it takes to conclude the delivery, disregarding delivery cost.</a:t>
+              <a:rPr lang="en-US" dirty="0"/>
+              <a:t>Strategy </a:t>
+            </a:r>
+          </a:p>
+          <a:p>
+            <a:r>
+              <a:rPr lang="en-US" dirty="0"/>
+              <a:t>Deliverer Agent parameters changed:</a:t>
             </a:r>
           </a:p>
           <a:p>
             <a:pPr lvl="1"/>
             <a:r>
-              <a:rPr lang="en-US" sz="2000" dirty="0"/>
-              <a:t>Balanced: Attributes similar value to both parameters.</a:t>
-            </a:r>
+              <a:rPr lang="en-US" dirty="0"/>
+              <a:t>Position</a:t>
+            </a:r>
+          </a:p>
+          <a:p>
+            <a:pPr lvl="1"/>
+            <a:r>
+              <a:rPr lang="en-US" dirty="0"/>
+              <a:t>Travel speed</a:t>
+            </a:r>
+          </a:p>
+          <a:p>
+            <a:pPr lvl="1"/>
+            <a:r>
+              <a:rPr lang="en-US" dirty="0"/>
+              <a:t>Cost per unit travelled </a:t>
+            </a:r>
+          </a:p>
+          <a:p>
+            <a:pPr lvl="1"/>
+            <a:r>
+              <a:rPr lang="en-US" dirty="0"/>
+              <a:t>Fuel</a:t>
+            </a:r>
+          </a:p>
+          <a:p>
+            <a:pPr marL="36900" indent="0">
+              <a:buNone/>
+            </a:pPr>
+            <a:endParaRPr lang="en-US" dirty="0"/>
+          </a:p>
+          <a:p>
+            <a:pPr marL="36900" indent="0">
+              <a:buNone/>
+            </a:pPr>
+            <a:endParaRPr lang="en-US" dirty="0"/>
           </a:p>
         </p:txBody>
       </p:sp>
     </p:spTree>
     <p:extLst>
       <p:ext uri="{BB962C8B-B14F-4D97-AF65-F5344CB8AC3E}">
-        <p14:creationId xmlns:p14="http://schemas.microsoft.com/office/powerpoint/2010/main" val="2024757831"/>
+        <p14:creationId xmlns:p14="http://schemas.microsoft.com/office/powerpoint/2010/main" val="1199864635"/>
       </p:ext>
     </p:extLst>
   </p:cSld>
@@ -7395,7 +8614,7 @@
           <p:cNvPr id="2" name="Título 1">
             <a:extLst>
               <a:ext uri="{FF2B5EF4-FFF2-40B4-BE49-F238E27FC236}">
-                <a16:creationId xmlns:a16="http://schemas.microsoft.com/office/drawing/2014/main" id="{95AD379B-6526-4327-B24D-4CA9DE157E30}"/>
+                <a16:creationId xmlns:a16="http://schemas.microsoft.com/office/drawing/2014/main" id="{CC9EA74F-BFCE-4B8D-8BF8-B793A6B3979C}"/>
               </a:ext>
             </a:extLst>
           </p:cNvPr>
@@ -7412,9 +8631,10 @@
           <a:lstStyle/>
           <a:p>
             <a:r>
-              <a:rPr lang="en-US" dirty="0"/>
-              <a:t>Experiments </a:t>
-            </a:r>
+              <a:rPr lang="pt-PT" dirty="0" err="1"/>
+              <a:t>Experiments</a:t>
+            </a:r>
+            <a:endParaRPr lang="en-US" dirty="0"/>
           </a:p>
         </p:txBody>
       </p:sp>
@@ -7423,7 +8643,7 @@
           <p:cNvPr id="3" name="Marcador de Posição de Conteúdo 2">
             <a:extLst>
               <a:ext uri="{FF2B5EF4-FFF2-40B4-BE49-F238E27FC236}">
-                <a16:creationId xmlns:a16="http://schemas.microsoft.com/office/drawing/2014/main" id="{D2F13CF7-03A5-474B-8A4B-88531E2402F6}"/>
+                <a16:creationId xmlns:a16="http://schemas.microsoft.com/office/drawing/2014/main" id="{779BBEB4-E405-4195-8BBD-8BA91C247E76}"/>
               </a:ext>
             </a:extLst>
           </p:cNvPr>
@@ -7439,56 +8659,44 @@
           <a:bodyPr/>
           <a:lstStyle/>
           <a:p>
-            <a:r>
-              <a:rPr lang="en-US" dirty="0"/>
-              <a:t>During the development of the project several experiments were made with different number of clients and deliver agents. </a:t>
-            </a:r>
-          </a:p>
-          <a:p>
             <a:endParaRPr lang="en-US" dirty="0"/>
           </a:p>
-          <a:p>
-            <a:r>
-              <a:rPr lang="en-US" dirty="0"/>
-              <a:t>Client and delivery agent parameters were also changed:</a:t>
-            </a:r>
-          </a:p>
-          <a:p>
-            <a:pPr lvl="1"/>
-            <a:r>
-              <a:rPr lang="en-US" dirty="0"/>
-              <a:t>Time/Cost preference</a:t>
-            </a:r>
-          </a:p>
-          <a:p>
-            <a:pPr lvl="1"/>
-            <a:r>
-              <a:rPr lang="en-US" dirty="0"/>
-              <a:t>Deliverer travel speed</a:t>
-            </a:r>
-          </a:p>
-          <a:p>
-            <a:pPr lvl="1"/>
-            <a:r>
-              <a:rPr lang="en-US" dirty="0"/>
-              <a:t>Fuel amount</a:t>
-            </a:r>
-          </a:p>
-          <a:p>
-            <a:endParaRPr lang="en-US" dirty="0"/>
-          </a:p>
-          <a:p>
-            <a:pPr marL="36900" indent="0">
-              <a:buNone/>
-            </a:pPr>
-            <a:endParaRPr lang="en-US" dirty="0"/>
-          </a:p>
-        </p:txBody>
-      </p:sp>
+        </p:txBody>
+      </p:sp>
+      <p:pic>
+        <p:nvPicPr>
+          <p:cNvPr id="4" name="Imagem 3">
+            <a:extLst>
+              <a:ext uri="{FF2B5EF4-FFF2-40B4-BE49-F238E27FC236}">
+                <a16:creationId xmlns:a16="http://schemas.microsoft.com/office/drawing/2014/main" id="{6B7A437D-D37E-4A18-A03A-BFA3049F0371}"/>
+              </a:ext>
+            </a:extLst>
+          </p:cNvPr>
+          <p:cNvPicPr>
+            <a:picLocks noChangeAspect="1"/>
+          </p:cNvPicPr>
+          <p:nvPr/>
+        </p:nvPicPr>
+        <p:blipFill>
+          <a:blip r:embed="rId2"/>
+          <a:stretch>
+            <a:fillRect/>
+          </a:stretch>
+        </p:blipFill>
+        <p:spPr>
+          <a:xfrm>
+            <a:off x="1546910" y="2004381"/>
+            <a:ext cx="9731295" cy="3514886"/>
+          </a:xfrm>
+          <a:prstGeom prst="rect">
+            <a:avLst/>
+          </a:prstGeom>
+        </p:spPr>
+      </p:pic>
     </p:spTree>
     <p:extLst>
       <p:ext uri="{BB962C8B-B14F-4D97-AF65-F5344CB8AC3E}">
-        <p14:creationId xmlns:p14="http://schemas.microsoft.com/office/powerpoint/2010/main" val="1199864635"/>
+        <p14:creationId xmlns:p14="http://schemas.microsoft.com/office/powerpoint/2010/main" val="1708579002"/>
       </p:ext>
     </p:extLst>
   </p:cSld>
@@ -7520,7 +8728,7 @@
           <p:cNvPr id="2" name="Título 1">
             <a:extLst>
               <a:ext uri="{FF2B5EF4-FFF2-40B4-BE49-F238E27FC236}">
-                <a16:creationId xmlns:a16="http://schemas.microsoft.com/office/drawing/2014/main" id="{D3D58A01-EA8D-4DF0-ABD1-55A70CF124FD}"/>
+                <a16:creationId xmlns:a16="http://schemas.microsoft.com/office/drawing/2014/main" id="{CAB541C7-2FFA-4408-BBA6-E96E492FB00F}"/>
               </a:ext>
             </a:extLst>
           </p:cNvPr>
@@ -7537,9 +8745,10 @@
           <a:lstStyle/>
           <a:p>
             <a:r>
-              <a:rPr lang="en-US" dirty="0"/>
-              <a:t>Result Analysis</a:t>
-            </a:r>
+              <a:rPr lang="pt-PT" dirty="0" err="1"/>
+              <a:t>Experiments</a:t>
+            </a:r>
+            <a:endParaRPr lang="en-US" dirty="0"/>
           </a:p>
         </p:txBody>
       </p:sp>
@@ -7548,7 +8757,7 @@
           <p:cNvPr id="3" name="Marcador de Posição de Conteúdo 2">
             <a:extLst>
               <a:ext uri="{FF2B5EF4-FFF2-40B4-BE49-F238E27FC236}">
-                <a16:creationId xmlns:a16="http://schemas.microsoft.com/office/drawing/2014/main" id="{C1392162-A76C-4D57-BC24-FEBE95D18221}"/>
+                <a16:creationId xmlns:a16="http://schemas.microsoft.com/office/drawing/2014/main" id="{89BE3583-9EE2-426A-9E51-0F352C25DF40}"/>
               </a:ext>
             </a:extLst>
           </p:cNvPr>
@@ -7564,40 +8773,44 @@
           <a:bodyPr/>
           <a:lstStyle/>
           <a:p>
-            <a:r>
-              <a:rPr lang="en-US" dirty="0"/>
-              <a:t>As expected, the more delivery agents the quicker the orders get filled out.</a:t>
-            </a:r>
-          </a:p>
-          <a:p>
-            <a:endParaRPr lang="en-US" dirty="0"/>
-          </a:p>
-          <a:p>
-            <a:pPr>
-              <a:lnSpc>
-                <a:spcPct val="150000"/>
-              </a:lnSpc>
-            </a:pPr>
-            <a:r>
-              <a:rPr lang="en-US" dirty="0"/>
-              <a:t>Having more clients ordering with time being minimized and a higher cost causes delivery agents with higher speed to be more requested.</a:t>
-            </a:r>
-          </a:p>
-          <a:p>
-            <a:endParaRPr lang="en-US" dirty="0"/>
-          </a:p>
-          <a:p>
-            <a:r>
-              <a:rPr lang="en-US" dirty="0"/>
-              <a:t>Lower fuel cap prevents deliverers from travelling too far</a:t>
-            </a:r>
-          </a:p>
-        </p:txBody>
-      </p:sp>
+            <a:endParaRPr lang="en-US"/>
+          </a:p>
+        </p:txBody>
+      </p:sp>
+      <p:pic>
+        <p:nvPicPr>
+          <p:cNvPr id="4" name="Imagem 3">
+            <a:extLst>
+              <a:ext uri="{FF2B5EF4-FFF2-40B4-BE49-F238E27FC236}">
+                <a16:creationId xmlns:a16="http://schemas.microsoft.com/office/drawing/2014/main" id="{D2FC494F-BC6B-415C-95C8-12490B9A7EEF}"/>
+              </a:ext>
+            </a:extLst>
+          </p:cNvPr>
+          <p:cNvPicPr>
+            <a:picLocks noChangeAspect="1"/>
+          </p:cNvPicPr>
+          <p:nvPr/>
+        </p:nvPicPr>
+        <p:blipFill>
+          <a:blip r:embed="rId2"/>
+          <a:stretch>
+            <a:fillRect/>
+          </a:stretch>
+        </p:blipFill>
+        <p:spPr>
+          <a:xfrm>
+            <a:off x="1857190" y="1580050"/>
+            <a:ext cx="8953001" cy="4668350"/>
+          </a:xfrm>
+          <a:prstGeom prst="rect">
+            <a:avLst/>
+          </a:prstGeom>
+        </p:spPr>
+      </p:pic>
     </p:spTree>
     <p:extLst>
       <p:ext uri="{BB962C8B-B14F-4D97-AF65-F5344CB8AC3E}">
-        <p14:creationId xmlns:p14="http://schemas.microsoft.com/office/powerpoint/2010/main" val="2829390803"/>
+        <p14:creationId xmlns:p14="http://schemas.microsoft.com/office/powerpoint/2010/main" val="844043536"/>
       </p:ext>
     </p:extLst>
   </p:cSld>
@@ -7626,10 +8839,10 @@
       </p:grpSpPr>
       <p:sp>
         <p:nvSpPr>
-          <p:cNvPr id="2" name="Title 1">
+          <p:cNvPr id="2" name="Título 1">
             <a:extLst>
               <a:ext uri="{FF2B5EF4-FFF2-40B4-BE49-F238E27FC236}">
-                <a16:creationId xmlns:a16="http://schemas.microsoft.com/office/drawing/2014/main" id="{9BE2BB34-D998-B95E-F92E-9E08C71FB8B6}"/>
+                <a16:creationId xmlns:a16="http://schemas.microsoft.com/office/drawing/2014/main" id="{D3D58A01-EA8D-4DF0-ABD1-55A70CF124FD}"/>
               </a:ext>
             </a:extLst>
           </p:cNvPr>
@@ -7646,18 +8859,18 @@
           <a:lstStyle/>
           <a:p>
             <a:r>
-              <a:rPr lang="en-GB" dirty="0"/>
-              <a:t>Conclusion</a:t>
-            </a:r>
-          </a:p>
-        </p:txBody>
-      </p:sp>
-      <p:sp>
-        <p:nvSpPr>
-          <p:cNvPr id="3" name="Content Placeholder 2">
+              <a:rPr lang="en-US" dirty="0"/>
+              <a:t>Result Analysis</a:t>
+            </a:r>
+          </a:p>
+        </p:txBody>
+      </p:sp>
+      <p:sp>
+        <p:nvSpPr>
+          <p:cNvPr id="3" name="Marcador de Posição de Conteúdo 2">
             <a:extLst>
               <a:ext uri="{FF2B5EF4-FFF2-40B4-BE49-F238E27FC236}">
-                <a16:creationId xmlns:a16="http://schemas.microsoft.com/office/drawing/2014/main" id="{8E55E6EF-D8E6-4541-1422-3670848D77E6}"/>
+                <a16:creationId xmlns:a16="http://schemas.microsoft.com/office/drawing/2014/main" id="{C1392162-A76C-4D57-BC24-FEBE95D18221}"/>
               </a:ext>
             </a:extLst>
           </p:cNvPr>
@@ -7668,10 +8881,23 @@
             <p:ph idx="1"/>
           </p:nvPr>
         </p:nvSpPr>
-        <p:spPr/>
-        <p:txBody>
-          <a:bodyPr/>
-          <a:lstStyle/>
+        <p:spPr>
+          <a:xfrm>
+            <a:off x="913795" y="1732449"/>
+            <a:ext cx="10353762" cy="4515951"/>
+          </a:xfrm>
+        </p:spPr>
+        <p:txBody>
+          <a:bodyPr>
+            <a:normAutofit lnSpcReduction="10000"/>
+          </a:bodyPr>
+          <a:lstStyle/>
+          <a:p>
+            <a:r>
+              <a:rPr lang="en-US" dirty="0"/>
+              <a:t>When the fuel carried by delivers is low only some of the orders are not fulfilled as the driver can’t cover the distance needed.</a:t>
+            </a:r>
+          </a:p>
           <a:p>
             <a:pPr>
               <a:lnSpc>
@@ -7679,8 +8905,8 @@
               </a:lnSpc>
             </a:pPr>
             <a:r>
-              <a:rPr lang="en-GB" dirty="0"/>
-              <a:t>Overall this project was completed successfully. By using the Jade framework and the java programming language we were able to simulate a system of food delivery with several agents involved.</a:t>
+              <a:rPr lang="en-US" dirty="0"/>
+              <a:t>In general deliverers closer to the client/restaurant have the upper hand in fulfilling the delivers as all client strategies depend on distance from deliverer to the restaurant + distance from the restaurant to the client. By tuning the parameters we can have different results though, as for example if the closer driver is extremely slow and the client has the time focused strategy a driver further away can be a better option.</a:t>
             </a:r>
           </a:p>
           <a:p>
@@ -7690,21 +8916,22 @@
               </a:lnSpc>
             </a:pPr>
             <a:r>
-              <a:rPr lang="en-GB" dirty="0"/>
-              <a:t>For future work we could improve the share ride feature to allow for a more dynamic allocation of resources. Add restaurant waiting times and scale the problem to different cities</a:t>
-            </a:r>
-            <a:r>
-              <a:rPr lang="en-GB"/>
-              <a:t>/regions.</a:t>
-            </a:r>
-            <a:endParaRPr lang="en-GB" dirty="0"/>
+              <a:rPr lang="en-US" dirty="0"/>
+              <a:t>The same applies to cost. If a closer driver as an extremely high cost per unit travelled and the client is implementing the cost focused strategy the further away deliverer can have the best proposal</a:t>
+            </a:r>
+          </a:p>
+          <a:p>
+            <a:pPr marL="36900" indent="0">
+              <a:buNone/>
+            </a:pPr>
+            <a:endParaRPr lang="en-US" dirty="0"/>
           </a:p>
         </p:txBody>
       </p:sp>
     </p:spTree>
     <p:extLst>
       <p:ext uri="{BB962C8B-B14F-4D97-AF65-F5344CB8AC3E}">
-        <p14:creationId xmlns:p14="http://schemas.microsoft.com/office/powerpoint/2010/main" val="2766750294"/>
+        <p14:creationId xmlns:p14="http://schemas.microsoft.com/office/powerpoint/2010/main" val="2829390803"/>
       </p:ext>
     </p:extLst>
   </p:cSld>
